--- a/Github 시작.pptx
+++ b/Github 시작.pptx
@@ -5,10 +5,10 @@
     <p:sldMasterId id="2147483660" r:id="rId1"/>
   </p:sldMasterIdLst>
   <p:notesMasterIdLst>
-    <p:notesMasterId r:id="rId11"/>
+    <p:notesMasterId r:id="rId13"/>
   </p:notesMasterIdLst>
   <p:handoutMasterIdLst>
-    <p:handoutMasterId r:id="rId12"/>
+    <p:handoutMasterId r:id="rId14"/>
   </p:handoutMasterIdLst>
   <p:sldIdLst>
     <p:sldId id="256" r:id="rId2"/>
@@ -20,6 +20,8 @@
     <p:sldId id="285" r:id="rId8"/>
     <p:sldId id="286" r:id="rId9"/>
     <p:sldId id="287" r:id="rId10"/>
+    <p:sldId id="288" r:id="rId11"/>
+    <p:sldId id="289" r:id="rId12"/>
   </p:sldIdLst>
   <p:sldSz cx="12192000" cy="6858000"/>
   <p:notesSz cx="6858000" cy="9144000"/>
@@ -136,6 +138,8 @@
             <p14:sldId id="285"/>
             <p14:sldId id="286"/>
             <p14:sldId id="287"/>
+            <p14:sldId id="288"/>
+            <p14:sldId id="289"/>
           </p14:sldIdLst>
         </p14:section>
         <p14:section name="자세한 정보" id="{2CC34DB2-6590-42C0-AD4B-A04C6060184E}">
@@ -817,6 +821,200 @@
     <p:extLst>
       <p:ext uri="{BB962C8B-B14F-4D97-AF65-F5344CB8AC3E}">
         <p14:creationId xmlns:p14="http://schemas.microsoft.com/office/powerpoint/2010/main" val="1011769815"/>
+      </p:ext>
+    </p:extLst>
+  </p:cSld>
+  <p:clrMapOvr>
+    <a:masterClrMapping/>
+  </p:clrMapOvr>
+</p:notes>
+</file>
+
+<file path=ppt/notesSlides/notesSlide10.xml><?xml version="1.0" encoding="utf-8"?>
+<p:notes xmlns:a="http://schemas.openxmlformats.org/drawingml/2006/main" xmlns:r="http://schemas.openxmlformats.org/officeDocument/2006/relationships" xmlns:p="http://schemas.openxmlformats.org/presentationml/2006/main">
+  <p:cSld>
+    <p:spTree>
+      <p:nvGrpSpPr>
+        <p:cNvPr id="1" name=""/>
+        <p:cNvGrpSpPr/>
+        <p:nvPr/>
+      </p:nvGrpSpPr>
+      <p:grpSpPr>
+        <a:xfrm>
+          <a:off x="0" y="0"/>
+          <a:ext cx="0" cy="0"/>
+          <a:chOff x="0" y="0"/>
+          <a:chExt cx="0" cy="0"/>
+        </a:xfrm>
+      </p:grpSpPr>
+      <p:sp>
+        <p:nvSpPr>
+          <p:cNvPr id="2" name="슬라이드 이미지 개체 틀 1"/>
+          <p:cNvSpPr>
+            <a:spLocks noGrp="1" noRot="1" noChangeAspect="1"/>
+          </p:cNvSpPr>
+          <p:nvPr>
+            <p:ph type="sldImg"/>
+          </p:nvPr>
+        </p:nvSpPr>
+        <p:spPr/>
+      </p:sp>
+      <p:sp>
+        <p:nvSpPr>
+          <p:cNvPr id="3" name="슬라이드 노트 개체 틀 2"/>
+          <p:cNvSpPr>
+            <a:spLocks noGrp="1"/>
+          </p:cNvSpPr>
+          <p:nvPr>
+            <p:ph type="body" idx="1"/>
+          </p:nvPr>
+        </p:nvSpPr>
+        <p:spPr/>
+        <p:txBody>
+          <a:bodyPr/>
+          <a:lstStyle/>
+          <a:p>
+            <a:endParaRPr lang="ko-KR" altLang="en-US">
+              <a:latin typeface="맑은 고딕" panose="020B0503020000020004" pitchFamily="50" charset="-127"/>
+              <a:ea typeface="맑은 고딕" panose="020B0503020000020004" pitchFamily="50" charset="-127"/>
+            </a:endParaRPr>
+          </a:p>
+        </p:txBody>
+      </p:sp>
+      <p:sp>
+        <p:nvSpPr>
+          <p:cNvPr id="4" name="슬라이드 번호 개체 틀 3"/>
+          <p:cNvSpPr>
+            <a:spLocks noGrp="1"/>
+          </p:cNvSpPr>
+          <p:nvPr>
+            <p:ph type="sldNum" sz="quarter" idx="5"/>
+          </p:nvPr>
+        </p:nvSpPr>
+        <p:spPr/>
+        <p:txBody>
+          <a:bodyPr/>
+          <a:lstStyle/>
+          <a:p>
+            <a:pPr rtl="0"/>
+            <a:fld id="{DF61EA0F-A667-4B49-8422-0062BC55E249}" type="slidenum">
+              <a:rPr lang="en-US" altLang="ko-KR" smtClean="0">
+                <a:latin typeface="맑은 고딕" panose="020B0503020000020004" pitchFamily="50" charset="-127"/>
+                <a:ea typeface="맑은 고딕" panose="020B0503020000020004" pitchFamily="50" charset="-127"/>
+              </a:rPr>
+              <a:t>10</a:t>
+            </a:fld>
+            <a:endParaRPr lang="ko-KR" altLang="en-US">
+              <a:latin typeface="맑은 고딕" panose="020B0503020000020004" pitchFamily="50" charset="-127"/>
+              <a:ea typeface="맑은 고딕" panose="020B0503020000020004" pitchFamily="50" charset="-127"/>
+            </a:endParaRPr>
+          </a:p>
+        </p:txBody>
+      </p:sp>
+    </p:spTree>
+    <p:extLst>
+      <p:ext uri="{BB962C8B-B14F-4D97-AF65-F5344CB8AC3E}">
+        <p14:creationId xmlns:p14="http://schemas.microsoft.com/office/powerpoint/2010/main" val="231851339"/>
+      </p:ext>
+    </p:extLst>
+  </p:cSld>
+  <p:clrMapOvr>
+    <a:masterClrMapping/>
+  </p:clrMapOvr>
+</p:notes>
+</file>
+
+<file path=ppt/notesSlides/notesSlide11.xml><?xml version="1.0" encoding="utf-8"?>
+<p:notes xmlns:a="http://schemas.openxmlformats.org/drawingml/2006/main" xmlns:r="http://schemas.openxmlformats.org/officeDocument/2006/relationships" xmlns:p="http://schemas.openxmlformats.org/presentationml/2006/main">
+  <p:cSld>
+    <p:spTree>
+      <p:nvGrpSpPr>
+        <p:cNvPr id="1" name=""/>
+        <p:cNvGrpSpPr/>
+        <p:nvPr/>
+      </p:nvGrpSpPr>
+      <p:grpSpPr>
+        <a:xfrm>
+          <a:off x="0" y="0"/>
+          <a:ext cx="0" cy="0"/>
+          <a:chOff x="0" y="0"/>
+          <a:chExt cx="0" cy="0"/>
+        </a:xfrm>
+      </p:grpSpPr>
+      <p:sp>
+        <p:nvSpPr>
+          <p:cNvPr id="2" name="슬라이드 이미지 개체 틀 1"/>
+          <p:cNvSpPr>
+            <a:spLocks noGrp="1" noRot="1" noChangeAspect="1"/>
+          </p:cNvSpPr>
+          <p:nvPr>
+            <p:ph type="sldImg"/>
+          </p:nvPr>
+        </p:nvSpPr>
+        <p:spPr>
+          <a:xfrm>
+            <a:off x="685800" y="1143000"/>
+            <a:ext cx="5486400" cy="3086100"/>
+          </a:xfrm>
+        </p:spPr>
+      </p:sp>
+      <p:sp>
+        <p:nvSpPr>
+          <p:cNvPr id="3" name="슬라이드 노트 개체 틀 2"/>
+          <p:cNvSpPr>
+            <a:spLocks noGrp="1"/>
+          </p:cNvSpPr>
+          <p:nvPr>
+            <p:ph type="body" idx="1"/>
+          </p:nvPr>
+        </p:nvSpPr>
+        <p:spPr/>
+        <p:txBody>
+          <a:bodyPr rtlCol="0"/>
+          <a:lstStyle/>
+          <a:p>
+            <a:pPr rtl="0"/>
+            <a:endParaRPr lang="ko-KR" altLang="en-US">
+              <a:latin typeface="맑은 고딕" panose="020B0503020000020004" pitchFamily="50" charset="-127"/>
+              <a:ea typeface="맑은 고딕" panose="020B0503020000020004" pitchFamily="50" charset="-127"/>
+            </a:endParaRPr>
+          </a:p>
+        </p:txBody>
+      </p:sp>
+      <p:sp>
+        <p:nvSpPr>
+          <p:cNvPr id="4" name="슬라이드 번호 개체 틀 3"/>
+          <p:cNvSpPr>
+            <a:spLocks noGrp="1"/>
+          </p:cNvSpPr>
+          <p:nvPr>
+            <p:ph type="sldNum" sz="quarter" idx="10"/>
+          </p:nvPr>
+        </p:nvSpPr>
+        <p:spPr/>
+        <p:txBody>
+          <a:bodyPr rtlCol="0"/>
+          <a:lstStyle/>
+          <a:p>
+            <a:pPr rtl="0"/>
+            <a:fld id="{DF61EA0F-A667-4B49-8422-0062BC55E249}" type="slidenum">
+              <a:rPr lang="en-US" altLang="ko-KR" smtClean="0">
+                <a:latin typeface="맑은 고딕" panose="020B0503020000020004" pitchFamily="50" charset="-127"/>
+                <a:ea typeface="맑은 고딕" panose="020B0503020000020004" pitchFamily="50" charset="-127"/>
+              </a:rPr>
+              <a:t>11</a:t>
+            </a:fld>
+            <a:endParaRPr lang="ko-KR" altLang="en-US">
+              <a:latin typeface="맑은 고딕" panose="020B0503020000020004" pitchFamily="50" charset="-127"/>
+              <a:ea typeface="맑은 고딕" panose="020B0503020000020004" pitchFamily="50" charset="-127"/>
+            </a:endParaRPr>
+          </a:p>
+        </p:txBody>
+      </p:sp>
+    </p:spTree>
+    <p:extLst>
+      <p:ext uri="{BB962C8B-B14F-4D97-AF65-F5344CB8AC3E}">
+        <p14:creationId xmlns:p14="http://schemas.microsoft.com/office/powerpoint/2010/main" val="2027492109"/>
       </p:ext>
     </p:extLst>
   </p:cSld>
@@ -3250,6 +3448,324 @@
     <p:extLst>
       <p:ext uri="{BB962C8B-B14F-4D97-AF65-F5344CB8AC3E}">
         <p14:creationId xmlns:p14="http://schemas.microsoft.com/office/powerpoint/2010/main" val="2471807738"/>
+      </p:ext>
+    </p:extLst>
+  </p:cSld>
+  <p:clrMapOvr>
+    <a:masterClrMapping/>
+  </p:clrMapOvr>
+</p:sld>
+</file>
+
+<file path=ppt/slides/slide10.xml><?xml version="1.0" encoding="utf-8"?>
+<p:sld xmlns:a="http://schemas.openxmlformats.org/drawingml/2006/main" xmlns:r="http://schemas.openxmlformats.org/officeDocument/2006/relationships" xmlns:p="http://schemas.openxmlformats.org/presentationml/2006/main">
+  <p:cSld>
+    <p:spTree>
+      <p:nvGrpSpPr>
+        <p:cNvPr id="1" name=""/>
+        <p:cNvGrpSpPr/>
+        <p:nvPr/>
+      </p:nvGrpSpPr>
+      <p:grpSpPr>
+        <a:xfrm>
+          <a:off x="0" y="0"/>
+          <a:ext cx="0" cy="0"/>
+          <a:chOff x="0" y="0"/>
+          <a:chExt cx="0" cy="0"/>
+        </a:xfrm>
+      </p:grpSpPr>
+      <p:sp>
+        <p:nvSpPr>
+          <p:cNvPr id="3" name="제목 2"/>
+          <p:cNvSpPr>
+            <a:spLocks noGrp="1"/>
+          </p:cNvSpPr>
+          <p:nvPr>
+            <p:ph type="title"/>
+          </p:nvPr>
+        </p:nvSpPr>
+        <p:spPr/>
+        <p:txBody>
+          <a:bodyPr rtlCol="0"/>
+          <a:lstStyle/>
+          <a:p>
+            <a:pPr rtl="0"/>
+            <a:r>
+              <a:rPr lang="en-US" altLang="ko-KR" dirty="0" err="1">
+                <a:cs typeface="Segoe UI Light" panose="020B0502040204020203" pitchFamily="34" charset="0"/>
+              </a:rPr>
+              <a:t>TortoiseGit</a:t>
+            </a:r>
+            <a:r>
+              <a:rPr lang="en-US" altLang="ko-KR" dirty="0">
+                <a:cs typeface="Segoe UI Light" panose="020B0502040204020203" pitchFamily="34" charset="0"/>
+              </a:rPr>
+              <a:t> </a:t>
+            </a:r>
+            <a:r>
+              <a:rPr lang="ko-KR" altLang="en-US" dirty="0">
+                <a:cs typeface="Segoe UI Light" panose="020B0502040204020203" pitchFamily="34" charset="0"/>
+              </a:rPr>
+              <a:t>사용하기</a:t>
+            </a:r>
+            <a:r>
+              <a:rPr lang="en-US" altLang="ko-KR" dirty="0">
+                <a:cs typeface="Segoe UI Light" panose="020B0502040204020203" pitchFamily="34" charset="0"/>
+              </a:rPr>
+              <a:t>(4)</a:t>
+            </a:r>
+            <a:endParaRPr lang="ko-KR" altLang="en-US" dirty="0">
+              <a:cs typeface="Segoe UI Light" panose="020B0502040204020203" pitchFamily="34" charset="0"/>
+            </a:endParaRPr>
+          </a:p>
+        </p:txBody>
+      </p:sp>
+      <p:sp>
+        <p:nvSpPr>
+          <p:cNvPr id="10" name="TextBox 9">
+            <a:extLst>
+              <a:ext uri="{FF2B5EF4-FFF2-40B4-BE49-F238E27FC236}">
+                <a16:creationId xmlns:a16="http://schemas.microsoft.com/office/drawing/2014/main" id="{8A861CF4-4ECD-9B07-13F6-668071DB1278}"/>
+              </a:ext>
+            </a:extLst>
+          </p:cNvPr>
+          <p:cNvSpPr txBox="1"/>
+          <p:nvPr/>
+        </p:nvSpPr>
+        <p:spPr>
+          <a:xfrm>
+            <a:off x="521206" y="1295713"/>
+            <a:ext cx="8924007" cy="369332"/>
+          </a:xfrm>
+          <a:prstGeom prst="rect">
+            <a:avLst/>
+          </a:prstGeom>
+          <a:noFill/>
+        </p:spPr>
+        <p:txBody>
+          <a:bodyPr wrap="square">
+            <a:spAutoFit/>
+          </a:bodyPr>
+          <a:lstStyle/>
+          <a:p>
+            <a:r>
+              <a:rPr lang="en-US" altLang="ko-KR" dirty="0"/>
+              <a:t>4. Git pull(</a:t>
+            </a:r>
+            <a:r>
+              <a:rPr lang="ko-KR" altLang="en-US" dirty="0"/>
+              <a:t>원격 저장소 가져오기</a:t>
+            </a:r>
+            <a:r>
+              <a:rPr lang="en-US" altLang="ko-KR" dirty="0"/>
+              <a:t>)</a:t>
+            </a:r>
+            <a:endParaRPr lang="ko-KR" altLang="en-US" dirty="0"/>
+          </a:p>
+        </p:txBody>
+      </p:sp>
+      <p:pic>
+        <p:nvPicPr>
+          <p:cNvPr id="5" name="그림 4">
+            <a:extLst>
+              <a:ext uri="{FF2B5EF4-FFF2-40B4-BE49-F238E27FC236}">
+                <a16:creationId xmlns:a16="http://schemas.microsoft.com/office/drawing/2014/main" id="{4F32439B-F599-503C-2C87-9C4C6F327ECE}"/>
+              </a:ext>
+            </a:extLst>
+          </p:cNvPr>
+          <p:cNvPicPr>
+            <a:picLocks noChangeAspect="1"/>
+          </p:cNvPicPr>
+          <p:nvPr/>
+        </p:nvPicPr>
+        <p:blipFill>
+          <a:blip r:embed="rId3"/>
+          <a:stretch>
+            <a:fillRect/>
+          </a:stretch>
+        </p:blipFill>
+        <p:spPr>
+          <a:xfrm>
+            <a:off x="705027" y="1872622"/>
+            <a:ext cx="6693299" cy="4211770"/>
+          </a:xfrm>
+          <a:prstGeom prst="rect">
+            <a:avLst/>
+          </a:prstGeom>
+        </p:spPr>
+      </p:pic>
+      <p:pic>
+        <p:nvPicPr>
+          <p:cNvPr id="8" name="그림 7">
+            <a:extLst>
+              <a:ext uri="{FF2B5EF4-FFF2-40B4-BE49-F238E27FC236}">
+                <a16:creationId xmlns:a16="http://schemas.microsoft.com/office/drawing/2014/main" id="{F1AD72A3-D8EC-A925-990B-A921235F8DC6}"/>
+              </a:ext>
+            </a:extLst>
+          </p:cNvPr>
+          <p:cNvPicPr>
+            <a:picLocks noChangeAspect="1"/>
+          </p:cNvPicPr>
+          <p:nvPr/>
+        </p:nvPicPr>
+        <p:blipFill>
+          <a:blip r:embed="rId4"/>
+          <a:stretch>
+            <a:fillRect/>
+          </a:stretch>
+        </p:blipFill>
+        <p:spPr>
+          <a:xfrm>
+            <a:off x="7568526" y="1888813"/>
+            <a:ext cx="3753374" cy="700185"/>
+          </a:xfrm>
+          <a:prstGeom prst="rect">
+            <a:avLst/>
+          </a:prstGeom>
+        </p:spPr>
+      </p:pic>
+      <p:pic>
+        <p:nvPicPr>
+          <p:cNvPr id="13" name="그림 12">
+            <a:extLst>
+              <a:ext uri="{FF2B5EF4-FFF2-40B4-BE49-F238E27FC236}">
+                <a16:creationId xmlns:a16="http://schemas.microsoft.com/office/drawing/2014/main" id="{0D165E71-D287-EFF0-3CAF-34FB761D90FD}"/>
+              </a:ext>
+            </a:extLst>
+          </p:cNvPr>
+          <p:cNvPicPr>
+            <a:picLocks noChangeAspect="1"/>
+          </p:cNvPicPr>
+          <p:nvPr/>
+        </p:nvPicPr>
+        <p:blipFill>
+          <a:blip r:embed="rId5"/>
+          <a:stretch>
+            <a:fillRect/>
+          </a:stretch>
+        </p:blipFill>
+        <p:spPr>
+          <a:xfrm>
+            <a:off x="7568526" y="2683368"/>
+            <a:ext cx="2737126" cy="3401024"/>
+          </a:xfrm>
+          <a:prstGeom prst="rect">
+            <a:avLst/>
+          </a:prstGeom>
+        </p:spPr>
+      </p:pic>
+    </p:spTree>
+    <p:extLst>
+      <p:ext uri="{BB962C8B-B14F-4D97-AF65-F5344CB8AC3E}">
+        <p14:creationId xmlns:p14="http://schemas.microsoft.com/office/powerpoint/2010/main" val="3111179422"/>
+      </p:ext>
+    </p:extLst>
+  </p:cSld>
+  <p:clrMapOvr>
+    <a:masterClrMapping/>
+  </p:clrMapOvr>
+  <mc:AlternateContent xmlns:mc="http://schemas.openxmlformats.org/markup-compatibility/2006" xmlns:p14="http://schemas.microsoft.com/office/powerpoint/2010/main">
+    <mc:Choice Requires="p14">
+      <p:transition p14:dur="10"/>
+    </mc:Choice>
+    <mc:Fallback xmlns="">
+      <p:transition/>
+    </mc:Fallback>
+  </mc:AlternateContent>
+</p:sld>
+</file>
+
+<file path=ppt/slides/slide11.xml><?xml version="1.0" encoding="utf-8"?>
+<p:sld xmlns:a="http://schemas.openxmlformats.org/drawingml/2006/main" xmlns:r="http://schemas.openxmlformats.org/officeDocument/2006/relationships" xmlns:p="http://schemas.openxmlformats.org/presentationml/2006/main">
+  <p:cSld>
+    <p:spTree>
+      <p:nvGrpSpPr>
+        <p:cNvPr id="1" name=""/>
+        <p:cNvGrpSpPr/>
+        <p:nvPr/>
+      </p:nvGrpSpPr>
+      <p:grpSpPr>
+        <a:xfrm>
+          <a:off x="0" y="0"/>
+          <a:ext cx="0" cy="0"/>
+          <a:chOff x="0" y="0"/>
+          <a:chExt cx="0" cy="0"/>
+        </a:xfrm>
+      </p:grpSpPr>
+      <p:sp>
+        <p:nvSpPr>
+          <p:cNvPr id="2" name="제목 1"/>
+          <p:cNvSpPr>
+            <a:spLocks noGrp="1"/>
+          </p:cNvSpPr>
+          <p:nvPr>
+            <p:ph type="ctrTitle"/>
+          </p:nvPr>
+        </p:nvSpPr>
+        <p:spPr>
+          <a:xfrm>
+            <a:off x="838200" y="1164324"/>
+            <a:ext cx="10515600" cy="2387600"/>
+          </a:xfrm>
+        </p:spPr>
+        <p:txBody>
+          <a:bodyPr rtlCol="0" anchor="ctr" anchorCtr="0">
+            <a:normAutofit/>
+          </a:bodyPr>
+          <a:lstStyle/>
+          <a:p>
+            <a:pPr rtl="0"/>
+            <a:r>
+              <a:rPr lang="ko-KR" altLang="en-US" sz="4800" dirty="0">
+                <a:solidFill>
+                  <a:schemeClr val="bg1"/>
+                </a:solidFill>
+              </a:rPr>
+              <a:t>감사합니다</a:t>
+            </a:r>
+            <a:r>
+              <a:rPr lang="en-US" altLang="ko-KR" sz="4800">
+                <a:solidFill>
+                  <a:schemeClr val="bg1"/>
+                </a:solidFill>
+              </a:rPr>
+              <a:t>.</a:t>
+            </a:r>
+            <a:endParaRPr lang="ko-KR" altLang="en-US" sz="4800" dirty="0">
+              <a:solidFill>
+                <a:schemeClr val="bg1"/>
+              </a:solidFill>
+            </a:endParaRPr>
+          </a:p>
+        </p:txBody>
+      </p:sp>
+      <p:pic>
+        <p:nvPicPr>
+          <p:cNvPr id="4" name="그림 3" descr="PowerPoint 프로그램 아이콘"/>
+          <p:cNvPicPr>
+            <a:picLocks noChangeAspect="1"/>
+          </p:cNvPicPr>
+          <p:nvPr/>
+        </p:nvPicPr>
+        <p:blipFill>
+          <a:blip r:embed="rId3"/>
+          <a:srcRect/>
+          <a:stretch/>
+        </p:blipFill>
+        <p:spPr bwMode="invGray">
+          <a:xfrm>
+            <a:off x="670216" y="5193062"/>
+            <a:ext cx="822960" cy="822960"/>
+          </a:xfrm>
+          <a:prstGeom prst="rect">
+            <a:avLst/>
+          </a:prstGeom>
+        </p:spPr>
+      </p:pic>
+    </p:spTree>
+    <p:extLst>
+      <p:ext uri="{BB962C8B-B14F-4D97-AF65-F5344CB8AC3E}">
+        <p14:creationId xmlns:p14="http://schemas.microsoft.com/office/powerpoint/2010/main" val="1305297637"/>
       </p:ext>
     </p:extLst>
   </p:cSld>
@@ -6930,10 +7446,10 @@
       </p:sp>
       <p:pic>
         <p:nvPicPr>
-          <p:cNvPr id="5" name="그림 4">
+          <p:cNvPr id="4" name="그림 3">
             <a:extLst>
               <a:ext uri="{FF2B5EF4-FFF2-40B4-BE49-F238E27FC236}">
-                <a16:creationId xmlns:a16="http://schemas.microsoft.com/office/drawing/2014/main" id="{CDF06D88-B6B3-BD96-6A20-1A4D6F01DD5F}"/>
+                <a16:creationId xmlns:a16="http://schemas.microsoft.com/office/drawing/2014/main" id="{3892E7DC-2FA1-1865-E7B8-34FADC28C69D}"/>
               </a:ext>
             </a:extLst>
           </p:cNvPr>
@@ -6950,20 +7466,59 @@
         </p:blipFill>
         <p:spPr>
           <a:xfrm>
-            <a:off x="754671" y="1665045"/>
-            <a:ext cx="3752784" cy="4412783"/>
+            <a:off x="751815" y="1665045"/>
+            <a:ext cx="4863677" cy="4125543"/>
           </a:xfrm>
           <a:prstGeom prst="rect">
             <a:avLst/>
           </a:prstGeom>
         </p:spPr>
       </p:pic>
+      <p:sp>
+        <p:nvSpPr>
+          <p:cNvPr id="6" name="TextBox 5">
+            <a:extLst>
+              <a:ext uri="{FF2B5EF4-FFF2-40B4-BE49-F238E27FC236}">
+                <a16:creationId xmlns:a16="http://schemas.microsoft.com/office/drawing/2014/main" id="{2188AD39-7214-9A1E-4C45-A3A29D1DF121}"/>
+              </a:ext>
+            </a:extLst>
+          </p:cNvPr>
+          <p:cNvSpPr txBox="1"/>
+          <p:nvPr/>
+        </p:nvSpPr>
+        <p:spPr>
+          <a:xfrm>
+            <a:off x="751815" y="5790588"/>
+            <a:ext cx="1233030" cy="369332"/>
+          </a:xfrm>
+          <a:prstGeom prst="rect">
+            <a:avLst/>
+          </a:prstGeom>
+          <a:noFill/>
+        </p:spPr>
+        <p:txBody>
+          <a:bodyPr wrap="none" rtlCol="0">
+            <a:spAutoFit/>
+          </a:bodyPr>
+          <a:lstStyle/>
+          <a:p>
+            <a:r>
+              <a:rPr lang="en-US" altLang="ko-KR" dirty="0"/>
+              <a:t>Local</a:t>
+            </a:r>
+            <a:r>
+              <a:rPr lang="ko-KR" altLang="en-US" dirty="0"/>
+              <a:t> 상태</a:t>
+            </a:r>
+          </a:p>
+        </p:txBody>
+      </p:sp>
       <p:pic>
         <p:nvPicPr>
-          <p:cNvPr id="8" name="그림 7">
+          <p:cNvPr id="9" name="그림 8">
             <a:extLst>
               <a:ext uri="{FF2B5EF4-FFF2-40B4-BE49-F238E27FC236}">
-                <a16:creationId xmlns:a16="http://schemas.microsoft.com/office/drawing/2014/main" id="{555E9864-74D9-A36E-CD4B-2D3382700AC2}"/>
+                <a16:creationId xmlns:a16="http://schemas.microsoft.com/office/drawing/2014/main" id="{9BB7ECC1-DD3E-0DF7-4C58-D603952F91BD}"/>
               </a:ext>
             </a:extLst>
           </p:cNvPr>
@@ -6980,14 +7535,49 @@
         </p:blipFill>
         <p:spPr>
           <a:xfrm>
-            <a:off x="4885134" y="1665045"/>
-            <a:ext cx="5598826" cy="3947486"/>
+            <a:off x="5846101" y="1665045"/>
+            <a:ext cx="5901488" cy="1767875"/>
           </a:xfrm>
           <a:prstGeom prst="rect">
             <a:avLst/>
           </a:prstGeom>
         </p:spPr>
       </p:pic>
+      <p:sp>
+        <p:nvSpPr>
+          <p:cNvPr id="11" name="TextBox 10">
+            <a:extLst>
+              <a:ext uri="{FF2B5EF4-FFF2-40B4-BE49-F238E27FC236}">
+                <a16:creationId xmlns:a16="http://schemas.microsoft.com/office/drawing/2014/main" id="{B364DCB1-3BFE-B6F9-CE10-A370BEBE1D13}"/>
+              </a:ext>
+            </a:extLst>
+          </p:cNvPr>
+          <p:cNvSpPr txBox="1"/>
+          <p:nvPr/>
+        </p:nvSpPr>
+        <p:spPr>
+          <a:xfrm>
+            <a:off x="5846101" y="3487548"/>
+            <a:ext cx="1925527" cy="369332"/>
+          </a:xfrm>
+          <a:prstGeom prst="rect">
+            <a:avLst/>
+          </a:prstGeom>
+          <a:noFill/>
+        </p:spPr>
+        <p:txBody>
+          <a:bodyPr wrap="none" rtlCol="0">
+            <a:spAutoFit/>
+          </a:bodyPr>
+          <a:lstStyle/>
+          <a:p>
+            <a:r>
+              <a:rPr lang="ko-KR" altLang="en-US" dirty="0"/>
+              <a:t>원격 저장소 상태</a:t>
+            </a:r>
+          </a:p>
+        </p:txBody>
+      </p:sp>
     </p:spTree>
     <p:extLst>
       <p:ext uri="{BB962C8B-B14F-4D97-AF65-F5344CB8AC3E}">

--- a/Github 시작.pptx
+++ b/Github 시작.pptx
@@ -5,23 +5,24 @@
     <p:sldMasterId id="2147483660" r:id="rId1"/>
   </p:sldMasterIdLst>
   <p:notesMasterIdLst>
-    <p:notesMasterId r:id="rId13"/>
+    <p:notesMasterId r:id="rId14"/>
   </p:notesMasterIdLst>
   <p:handoutMasterIdLst>
-    <p:handoutMasterId r:id="rId14"/>
+    <p:handoutMasterId r:id="rId15"/>
   </p:handoutMasterIdLst>
   <p:sldIdLst>
     <p:sldId id="256" r:id="rId2"/>
     <p:sldId id="271" r:id="rId3"/>
-    <p:sldId id="279" r:id="rId4"/>
-    <p:sldId id="281" r:id="rId5"/>
-    <p:sldId id="283" r:id="rId6"/>
-    <p:sldId id="284" r:id="rId7"/>
-    <p:sldId id="285" r:id="rId8"/>
-    <p:sldId id="286" r:id="rId9"/>
-    <p:sldId id="287" r:id="rId10"/>
-    <p:sldId id="288" r:id="rId11"/>
-    <p:sldId id="289" r:id="rId12"/>
+    <p:sldId id="290" r:id="rId4"/>
+    <p:sldId id="279" r:id="rId5"/>
+    <p:sldId id="281" r:id="rId6"/>
+    <p:sldId id="283" r:id="rId7"/>
+    <p:sldId id="284" r:id="rId8"/>
+    <p:sldId id="285" r:id="rId9"/>
+    <p:sldId id="286" r:id="rId10"/>
+    <p:sldId id="287" r:id="rId11"/>
+    <p:sldId id="288" r:id="rId12"/>
+    <p:sldId id="289" r:id="rId13"/>
   </p:sldIdLst>
   <p:sldSz cx="12192000" cy="6858000"/>
   <p:notesSz cx="6858000" cy="9144000"/>
@@ -131,6 +132,7 @@
         <p14:section name="디자인, 모핑, 주석 달기, 공동 작업, 입력하세요" id="{B9B51309-D148-4332-87C2-07BE32FBCA3B}">
           <p14:sldIdLst>
             <p14:sldId id="271"/>
+            <p14:sldId id="290"/>
             <p14:sldId id="279"/>
             <p14:sldId id="281"/>
             <p14:sldId id="283"/>
@@ -914,6 +916,100 @@
     </p:spTree>
     <p:extLst>
       <p:ext uri="{BB962C8B-B14F-4D97-AF65-F5344CB8AC3E}">
+        <p14:creationId xmlns:p14="http://schemas.microsoft.com/office/powerpoint/2010/main" val="3549401746"/>
+      </p:ext>
+    </p:extLst>
+  </p:cSld>
+  <p:clrMapOvr>
+    <a:masterClrMapping/>
+  </p:clrMapOvr>
+</p:notes>
+</file>
+
+<file path=ppt/notesSlides/notesSlide11.xml><?xml version="1.0" encoding="utf-8"?>
+<p:notes xmlns:a="http://schemas.openxmlformats.org/drawingml/2006/main" xmlns:r="http://schemas.openxmlformats.org/officeDocument/2006/relationships" xmlns:p="http://schemas.openxmlformats.org/presentationml/2006/main">
+  <p:cSld>
+    <p:spTree>
+      <p:nvGrpSpPr>
+        <p:cNvPr id="1" name=""/>
+        <p:cNvGrpSpPr/>
+        <p:nvPr/>
+      </p:nvGrpSpPr>
+      <p:grpSpPr>
+        <a:xfrm>
+          <a:off x="0" y="0"/>
+          <a:ext cx="0" cy="0"/>
+          <a:chOff x="0" y="0"/>
+          <a:chExt cx="0" cy="0"/>
+        </a:xfrm>
+      </p:grpSpPr>
+      <p:sp>
+        <p:nvSpPr>
+          <p:cNvPr id="2" name="슬라이드 이미지 개체 틀 1"/>
+          <p:cNvSpPr>
+            <a:spLocks noGrp="1" noRot="1" noChangeAspect="1"/>
+          </p:cNvSpPr>
+          <p:nvPr>
+            <p:ph type="sldImg"/>
+          </p:nvPr>
+        </p:nvSpPr>
+        <p:spPr/>
+      </p:sp>
+      <p:sp>
+        <p:nvSpPr>
+          <p:cNvPr id="3" name="슬라이드 노트 개체 틀 2"/>
+          <p:cNvSpPr>
+            <a:spLocks noGrp="1"/>
+          </p:cNvSpPr>
+          <p:nvPr>
+            <p:ph type="body" idx="1"/>
+          </p:nvPr>
+        </p:nvSpPr>
+        <p:spPr/>
+        <p:txBody>
+          <a:bodyPr/>
+          <a:lstStyle/>
+          <a:p>
+            <a:endParaRPr lang="ko-KR" altLang="en-US">
+              <a:latin typeface="맑은 고딕" panose="020B0503020000020004" pitchFamily="50" charset="-127"/>
+              <a:ea typeface="맑은 고딕" panose="020B0503020000020004" pitchFamily="50" charset="-127"/>
+            </a:endParaRPr>
+          </a:p>
+        </p:txBody>
+      </p:sp>
+      <p:sp>
+        <p:nvSpPr>
+          <p:cNvPr id="4" name="슬라이드 번호 개체 틀 3"/>
+          <p:cNvSpPr>
+            <a:spLocks noGrp="1"/>
+          </p:cNvSpPr>
+          <p:nvPr>
+            <p:ph type="sldNum" sz="quarter" idx="5"/>
+          </p:nvPr>
+        </p:nvSpPr>
+        <p:spPr/>
+        <p:txBody>
+          <a:bodyPr/>
+          <a:lstStyle/>
+          <a:p>
+            <a:pPr rtl="0"/>
+            <a:fld id="{DF61EA0F-A667-4B49-8422-0062BC55E249}" type="slidenum">
+              <a:rPr lang="en-US" altLang="ko-KR" smtClean="0">
+                <a:latin typeface="맑은 고딕" panose="020B0503020000020004" pitchFamily="50" charset="-127"/>
+                <a:ea typeface="맑은 고딕" panose="020B0503020000020004" pitchFamily="50" charset="-127"/>
+              </a:rPr>
+              <a:t>11</a:t>
+            </a:fld>
+            <a:endParaRPr lang="ko-KR" altLang="en-US">
+              <a:latin typeface="맑은 고딕" panose="020B0503020000020004" pitchFamily="50" charset="-127"/>
+              <a:ea typeface="맑은 고딕" panose="020B0503020000020004" pitchFamily="50" charset="-127"/>
+            </a:endParaRPr>
+          </a:p>
+        </p:txBody>
+      </p:sp>
+    </p:spTree>
+    <p:extLst>
+      <p:ext uri="{BB962C8B-B14F-4D97-AF65-F5344CB8AC3E}">
         <p14:creationId xmlns:p14="http://schemas.microsoft.com/office/powerpoint/2010/main" val="231851339"/>
       </p:ext>
     </p:extLst>
@@ -924,7 +1020,7 @@
 </p:notes>
 </file>
 
-<file path=ppt/notesSlides/notesSlide11.xml><?xml version="1.0" encoding="utf-8"?>
+<file path=ppt/notesSlides/notesSlide12.xml><?xml version="1.0" encoding="utf-8"?>
 <p:notes xmlns:a="http://schemas.openxmlformats.org/drawingml/2006/main" xmlns:r="http://schemas.openxmlformats.org/officeDocument/2006/relationships" xmlns:p="http://schemas.openxmlformats.org/presentationml/2006/main">
   <p:cSld>
     <p:spTree>
@@ -1002,7 +1098,7 @@
                 <a:latin typeface="맑은 고딕" panose="020B0503020000020004" pitchFamily="50" charset="-127"/>
                 <a:ea typeface="맑은 고딕" panose="020B0503020000020004" pitchFamily="50" charset="-127"/>
               </a:rPr>
-              <a:t>11</a:t>
+              <a:t>12</a:t>
             </a:fld>
             <a:endParaRPr lang="ko-KR" altLang="en-US">
               <a:latin typeface="맑은 고딕" panose="020B0503020000020004" pitchFamily="50" charset="-127"/>
@@ -1202,7 +1298,7 @@
     </p:spTree>
     <p:extLst>
       <p:ext uri="{BB962C8B-B14F-4D97-AF65-F5344CB8AC3E}">
-        <p14:creationId xmlns:p14="http://schemas.microsoft.com/office/powerpoint/2010/main" val="994192073"/>
+        <p14:creationId xmlns:p14="http://schemas.microsoft.com/office/powerpoint/2010/main" val="1689086105"/>
       </p:ext>
     </p:extLst>
   </p:cSld>
@@ -1296,7 +1392,7 @@
     </p:spTree>
     <p:extLst>
       <p:ext uri="{BB962C8B-B14F-4D97-AF65-F5344CB8AC3E}">
-        <p14:creationId xmlns:p14="http://schemas.microsoft.com/office/powerpoint/2010/main" val="264375482"/>
+        <p14:creationId xmlns:p14="http://schemas.microsoft.com/office/powerpoint/2010/main" val="994192073"/>
       </p:ext>
     </p:extLst>
   </p:cSld>
@@ -1390,7 +1486,7 @@
     </p:spTree>
     <p:extLst>
       <p:ext uri="{BB962C8B-B14F-4D97-AF65-F5344CB8AC3E}">
-        <p14:creationId xmlns:p14="http://schemas.microsoft.com/office/powerpoint/2010/main" val="568207332"/>
+        <p14:creationId xmlns:p14="http://schemas.microsoft.com/office/powerpoint/2010/main" val="264375482"/>
       </p:ext>
     </p:extLst>
   </p:cSld>
@@ -1484,7 +1580,7 @@
     </p:spTree>
     <p:extLst>
       <p:ext uri="{BB962C8B-B14F-4D97-AF65-F5344CB8AC3E}">
-        <p14:creationId xmlns:p14="http://schemas.microsoft.com/office/powerpoint/2010/main" val="1929514695"/>
+        <p14:creationId xmlns:p14="http://schemas.microsoft.com/office/powerpoint/2010/main" val="568207332"/>
       </p:ext>
     </p:extLst>
   </p:cSld>
@@ -1578,7 +1674,7 @@
     </p:spTree>
     <p:extLst>
       <p:ext uri="{BB962C8B-B14F-4D97-AF65-F5344CB8AC3E}">
-        <p14:creationId xmlns:p14="http://schemas.microsoft.com/office/powerpoint/2010/main" val="3700580082"/>
+        <p14:creationId xmlns:p14="http://schemas.microsoft.com/office/powerpoint/2010/main" val="1929514695"/>
       </p:ext>
     </p:extLst>
   </p:cSld>
@@ -1672,7 +1768,7 @@
     </p:spTree>
     <p:extLst>
       <p:ext uri="{BB962C8B-B14F-4D97-AF65-F5344CB8AC3E}">
-        <p14:creationId xmlns:p14="http://schemas.microsoft.com/office/powerpoint/2010/main" val="515528540"/>
+        <p14:creationId xmlns:p14="http://schemas.microsoft.com/office/powerpoint/2010/main" val="3700580082"/>
       </p:ext>
     </p:extLst>
   </p:cSld>
@@ -1766,7 +1862,7 @@
     </p:spTree>
     <p:extLst>
       <p:ext uri="{BB962C8B-B14F-4D97-AF65-F5344CB8AC3E}">
-        <p14:creationId xmlns:p14="http://schemas.microsoft.com/office/powerpoint/2010/main" val="3549401746"/>
+        <p14:creationId xmlns:p14="http://schemas.microsoft.com/office/powerpoint/2010/main" val="515528540"/>
       </p:ext>
     </p:extLst>
   </p:cSld>
@@ -3566,6 +3662,268 @@
       </p:sp>
       <p:pic>
         <p:nvPicPr>
+          <p:cNvPr id="4" name="그림 3">
+            <a:extLst>
+              <a:ext uri="{FF2B5EF4-FFF2-40B4-BE49-F238E27FC236}">
+                <a16:creationId xmlns:a16="http://schemas.microsoft.com/office/drawing/2014/main" id="{3892E7DC-2FA1-1865-E7B8-34FADC28C69D}"/>
+              </a:ext>
+            </a:extLst>
+          </p:cNvPr>
+          <p:cNvPicPr>
+            <a:picLocks noChangeAspect="1"/>
+          </p:cNvPicPr>
+          <p:nvPr/>
+        </p:nvPicPr>
+        <p:blipFill>
+          <a:blip r:embed="rId3"/>
+          <a:stretch>
+            <a:fillRect/>
+          </a:stretch>
+        </p:blipFill>
+        <p:spPr>
+          <a:xfrm>
+            <a:off x="751815" y="1665045"/>
+            <a:ext cx="4863677" cy="4125543"/>
+          </a:xfrm>
+          <a:prstGeom prst="rect">
+            <a:avLst/>
+          </a:prstGeom>
+        </p:spPr>
+      </p:pic>
+      <p:sp>
+        <p:nvSpPr>
+          <p:cNvPr id="6" name="TextBox 5">
+            <a:extLst>
+              <a:ext uri="{FF2B5EF4-FFF2-40B4-BE49-F238E27FC236}">
+                <a16:creationId xmlns:a16="http://schemas.microsoft.com/office/drawing/2014/main" id="{2188AD39-7214-9A1E-4C45-A3A29D1DF121}"/>
+              </a:ext>
+            </a:extLst>
+          </p:cNvPr>
+          <p:cNvSpPr txBox="1"/>
+          <p:nvPr/>
+        </p:nvSpPr>
+        <p:spPr>
+          <a:xfrm>
+            <a:off x="751815" y="5790588"/>
+            <a:ext cx="1233030" cy="369332"/>
+          </a:xfrm>
+          <a:prstGeom prst="rect">
+            <a:avLst/>
+          </a:prstGeom>
+          <a:noFill/>
+        </p:spPr>
+        <p:txBody>
+          <a:bodyPr wrap="none" rtlCol="0">
+            <a:spAutoFit/>
+          </a:bodyPr>
+          <a:lstStyle/>
+          <a:p>
+            <a:r>
+              <a:rPr lang="en-US" altLang="ko-KR" dirty="0"/>
+              <a:t>Local</a:t>
+            </a:r>
+            <a:r>
+              <a:rPr lang="ko-KR" altLang="en-US" dirty="0"/>
+              <a:t> 상태</a:t>
+            </a:r>
+          </a:p>
+        </p:txBody>
+      </p:sp>
+      <p:pic>
+        <p:nvPicPr>
+          <p:cNvPr id="9" name="그림 8">
+            <a:extLst>
+              <a:ext uri="{FF2B5EF4-FFF2-40B4-BE49-F238E27FC236}">
+                <a16:creationId xmlns:a16="http://schemas.microsoft.com/office/drawing/2014/main" id="{9BB7ECC1-DD3E-0DF7-4C58-D603952F91BD}"/>
+              </a:ext>
+            </a:extLst>
+          </p:cNvPr>
+          <p:cNvPicPr>
+            <a:picLocks noChangeAspect="1"/>
+          </p:cNvPicPr>
+          <p:nvPr/>
+        </p:nvPicPr>
+        <p:blipFill>
+          <a:blip r:embed="rId4"/>
+          <a:stretch>
+            <a:fillRect/>
+          </a:stretch>
+        </p:blipFill>
+        <p:spPr>
+          <a:xfrm>
+            <a:off x="5846101" y="1665045"/>
+            <a:ext cx="5901488" cy="1767875"/>
+          </a:xfrm>
+          <a:prstGeom prst="rect">
+            <a:avLst/>
+          </a:prstGeom>
+        </p:spPr>
+      </p:pic>
+      <p:sp>
+        <p:nvSpPr>
+          <p:cNvPr id="11" name="TextBox 10">
+            <a:extLst>
+              <a:ext uri="{FF2B5EF4-FFF2-40B4-BE49-F238E27FC236}">
+                <a16:creationId xmlns:a16="http://schemas.microsoft.com/office/drawing/2014/main" id="{B364DCB1-3BFE-B6F9-CE10-A370BEBE1D13}"/>
+              </a:ext>
+            </a:extLst>
+          </p:cNvPr>
+          <p:cNvSpPr txBox="1"/>
+          <p:nvPr/>
+        </p:nvSpPr>
+        <p:spPr>
+          <a:xfrm>
+            <a:off x="5846101" y="3487548"/>
+            <a:ext cx="1925527" cy="369332"/>
+          </a:xfrm>
+          <a:prstGeom prst="rect">
+            <a:avLst/>
+          </a:prstGeom>
+          <a:noFill/>
+        </p:spPr>
+        <p:txBody>
+          <a:bodyPr wrap="none" rtlCol="0">
+            <a:spAutoFit/>
+          </a:bodyPr>
+          <a:lstStyle/>
+          <a:p>
+            <a:r>
+              <a:rPr lang="ko-KR" altLang="en-US" dirty="0"/>
+              <a:t>원격 저장소 상태</a:t>
+            </a:r>
+          </a:p>
+        </p:txBody>
+      </p:sp>
+    </p:spTree>
+    <p:extLst>
+      <p:ext uri="{BB962C8B-B14F-4D97-AF65-F5344CB8AC3E}">
+        <p14:creationId xmlns:p14="http://schemas.microsoft.com/office/powerpoint/2010/main" val="723111610"/>
+      </p:ext>
+    </p:extLst>
+  </p:cSld>
+  <p:clrMapOvr>
+    <a:masterClrMapping/>
+  </p:clrMapOvr>
+  <mc:AlternateContent xmlns:mc="http://schemas.openxmlformats.org/markup-compatibility/2006" xmlns:p14="http://schemas.microsoft.com/office/powerpoint/2010/main">
+    <mc:Choice Requires="p14">
+      <p:transition p14:dur="10"/>
+    </mc:Choice>
+    <mc:Fallback xmlns="">
+      <p:transition/>
+    </mc:Fallback>
+  </mc:AlternateContent>
+</p:sld>
+</file>
+
+<file path=ppt/slides/slide11.xml><?xml version="1.0" encoding="utf-8"?>
+<p:sld xmlns:a="http://schemas.openxmlformats.org/drawingml/2006/main" xmlns:r="http://schemas.openxmlformats.org/officeDocument/2006/relationships" xmlns:p="http://schemas.openxmlformats.org/presentationml/2006/main">
+  <p:cSld>
+    <p:spTree>
+      <p:nvGrpSpPr>
+        <p:cNvPr id="1" name=""/>
+        <p:cNvGrpSpPr/>
+        <p:nvPr/>
+      </p:nvGrpSpPr>
+      <p:grpSpPr>
+        <a:xfrm>
+          <a:off x="0" y="0"/>
+          <a:ext cx="0" cy="0"/>
+          <a:chOff x="0" y="0"/>
+          <a:chExt cx="0" cy="0"/>
+        </a:xfrm>
+      </p:grpSpPr>
+      <p:sp>
+        <p:nvSpPr>
+          <p:cNvPr id="3" name="제목 2"/>
+          <p:cNvSpPr>
+            <a:spLocks noGrp="1"/>
+          </p:cNvSpPr>
+          <p:nvPr>
+            <p:ph type="title"/>
+          </p:nvPr>
+        </p:nvSpPr>
+        <p:spPr/>
+        <p:txBody>
+          <a:bodyPr rtlCol="0"/>
+          <a:lstStyle/>
+          <a:p>
+            <a:pPr rtl="0"/>
+            <a:r>
+              <a:rPr lang="en-US" altLang="ko-KR" dirty="0" err="1">
+                <a:cs typeface="Segoe UI Light" panose="020B0502040204020203" pitchFamily="34" charset="0"/>
+              </a:rPr>
+              <a:t>TortoiseGit</a:t>
+            </a:r>
+            <a:r>
+              <a:rPr lang="en-US" altLang="ko-KR" dirty="0">
+                <a:cs typeface="Segoe UI Light" panose="020B0502040204020203" pitchFamily="34" charset="0"/>
+              </a:rPr>
+              <a:t> </a:t>
+            </a:r>
+            <a:r>
+              <a:rPr lang="ko-KR" altLang="en-US" dirty="0">
+                <a:cs typeface="Segoe UI Light" panose="020B0502040204020203" pitchFamily="34" charset="0"/>
+              </a:rPr>
+              <a:t>사용하기</a:t>
+            </a:r>
+            <a:r>
+              <a:rPr lang="en-US" altLang="ko-KR" dirty="0">
+                <a:cs typeface="Segoe UI Light" panose="020B0502040204020203" pitchFamily="34" charset="0"/>
+              </a:rPr>
+              <a:t>(4)</a:t>
+            </a:r>
+            <a:endParaRPr lang="ko-KR" altLang="en-US" dirty="0">
+              <a:cs typeface="Segoe UI Light" panose="020B0502040204020203" pitchFamily="34" charset="0"/>
+            </a:endParaRPr>
+          </a:p>
+        </p:txBody>
+      </p:sp>
+      <p:sp>
+        <p:nvSpPr>
+          <p:cNvPr id="10" name="TextBox 9">
+            <a:extLst>
+              <a:ext uri="{FF2B5EF4-FFF2-40B4-BE49-F238E27FC236}">
+                <a16:creationId xmlns:a16="http://schemas.microsoft.com/office/drawing/2014/main" id="{8A861CF4-4ECD-9B07-13F6-668071DB1278}"/>
+              </a:ext>
+            </a:extLst>
+          </p:cNvPr>
+          <p:cNvSpPr txBox="1"/>
+          <p:nvPr/>
+        </p:nvSpPr>
+        <p:spPr>
+          <a:xfrm>
+            <a:off x="521206" y="1295713"/>
+            <a:ext cx="8924007" cy="369332"/>
+          </a:xfrm>
+          <a:prstGeom prst="rect">
+            <a:avLst/>
+          </a:prstGeom>
+          <a:noFill/>
+        </p:spPr>
+        <p:txBody>
+          <a:bodyPr wrap="square">
+            <a:spAutoFit/>
+          </a:bodyPr>
+          <a:lstStyle/>
+          <a:p>
+            <a:r>
+              <a:rPr lang="en-US" altLang="ko-KR" dirty="0"/>
+              <a:t>4. Git pull(</a:t>
+            </a:r>
+            <a:r>
+              <a:rPr lang="ko-KR" altLang="en-US" dirty="0"/>
+              <a:t>원격 저장소 가져오기</a:t>
+            </a:r>
+            <a:r>
+              <a:rPr lang="en-US" altLang="ko-KR" dirty="0"/>
+              <a:t>)</a:t>
+            </a:r>
+            <a:endParaRPr lang="ko-KR" altLang="en-US" dirty="0"/>
+          </a:p>
+        </p:txBody>
+      </p:sp>
+      <p:pic>
+        <p:nvPicPr>
           <p:cNvPr id="5" name="그림 4">
             <a:extLst>
               <a:ext uri="{FF2B5EF4-FFF2-40B4-BE49-F238E27FC236}">
@@ -3675,7 +4033,7 @@
 </p:sld>
 </file>
 
-<file path=ppt/slides/slide11.xml><?xml version="1.0" encoding="utf-8"?>
+<file path=ppt/slides/slide12.xml><?xml version="1.0" encoding="utf-8"?>
 <p:sld xmlns:a="http://schemas.openxmlformats.org/drawingml/2006/main" xmlns:r="http://schemas.openxmlformats.org/officeDocument/2006/relationships" xmlns:p="http://schemas.openxmlformats.org/presentationml/2006/main">
   <p:cSld>
     <p:spTree>
@@ -4231,6 +4589,1282 @@
 </file>
 
 <file path=ppt/slides/slide3.xml><?xml version="1.0" encoding="utf-8"?>
+<p:sld xmlns:a="http://schemas.openxmlformats.org/drawingml/2006/main" xmlns:r="http://schemas.openxmlformats.org/officeDocument/2006/relationships" xmlns:p="http://schemas.openxmlformats.org/presentationml/2006/main">
+  <p:cSld>
+    <p:spTree>
+      <p:nvGrpSpPr>
+        <p:cNvPr id="1" name=""/>
+        <p:cNvGrpSpPr/>
+        <p:nvPr/>
+      </p:nvGrpSpPr>
+      <p:grpSpPr>
+        <a:xfrm>
+          <a:off x="0" y="0"/>
+          <a:ext cx="0" cy="0"/>
+          <a:chOff x="0" y="0"/>
+          <a:chExt cx="0" cy="0"/>
+        </a:xfrm>
+      </p:grpSpPr>
+      <p:sp>
+        <p:nvSpPr>
+          <p:cNvPr id="8" name="제목 7"/>
+          <p:cNvSpPr>
+            <a:spLocks noGrp="1"/>
+          </p:cNvSpPr>
+          <p:nvPr>
+            <p:ph type="title"/>
+          </p:nvPr>
+        </p:nvSpPr>
+        <p:spPr>
+          <a:xfrm>
+            <a:off x="651835" y="416589"/>
+            <a:ext cx="8135613" cy="640080"/>
+          </a:xfrm>
+        </p:spPr>
+        <p:txBody>
+          <a:bodyPr rtlCol="0">
+            <a:noAutofit/>
+          </a:bodyPr>
+          <a:lstStyle/>
+          <a:p>
+            <a:pPr rtl="0"/>
+            <a:r>
+              <a:rPr lang="en-US" altLang="ko-KR" dirty="0" err="1">
+                <a:cs typeface="Segoe UI Light" panose="020B0502040204020203" pitchFamily="34" charset="0"/>
+              </a:rPr>
+              <a:t>Github</a:t>
+            </a:r>
+            <a:r>
+              <a:rPr lang="ko-KR" altLang="en-US" dirty="0">
+                <a:cs typeface="Segoe UI Light" panose="020B0502040204020203" pitchFamily="34" charset="0"/>
+              </a:rPr>
+              <a:t> </a:t>
+            </a:r>
+            <a:r>
+              <a:rPr lang="en-US" altLang="ko-KR" dirty="0">
+                <a:cs typeface="Segoe UI Light" panose="020B0502040204020203" pitchFamily="34" charset="0"/>
+              </a:rPr>
+              <a:t>vs Git</a:t>
+            </a:r>
+            <a:endParaRPr lang="ko-KR" altLang="en-US" dirty="0">
+              <a:cs typeface="Segoe UI Light" panose="020B0502040204020203" pitchFamily="34" charset="0"/>
+            </a:endParaRPr>
+          </a:p>
+        </p:txBody>
+      </p:sp>
+      <p:sp>
+        <p:nvSpPr>
+          <p:cNvPr id="38" name="내용 개체 틀 17"/>
+          <p:cNvSpPr txBox="1">
+            <a:spLocks/>
+          </p:cNvSpPr>
+          <p:nvPr/>
+        </p:nvSpPr>
+        <p:spPr>
+          <a:xfrm>
+            <a:off x="860924" y="1638384"/>
+            <a:ext cx="4217767" cy="3871518"/>
+          </a:xfrm>
+          <a:prstGeom prst="rect">
+            <a:avLst/>
+          </a:prstGeom>
+        </p:spPr>
+        <p:txBody>
+          <a:bodyPr vert="horz" lIns="91440" tIns="45720" rIns="91440" bIns="45720" rtlCol="0">
+            <a:normAutofit/>
+          </a:bodyPr>
+          <a:lstStyle>
+            <a:lvl1pPr marL="228600" indent="-228600" algn="l" defTabSz="914400" rtl="0" eaLnBrk="1" latinLnBrk="0" hangingPunct="1">
+              <a:lnSpc>
+                <a:spcPts val="1800"/>
+              </a:lnSpc>
+              <a:spcBef>
+                <a:spcPts val="1000"/>
+              </a:spcBef>
+              <a:spcAft>
+                <a:spcPts val="1000"/>
+              </a:spcAft>
+              <a:buFont typeface="Arial" panose="020B0604020202020204" pitchFamily="34" charset="0"/>
+              <a:buChar char="•"/>
+              <a:defRPr lang="en-US" sz="1200" kern="1200" smtClean="0">
+                <a:solidFill>
+                  <a:schemeClr val="tx1">
+                    <a:lumMod val="75000"/>
+                    <a:lumOff val="25000"/>
+                  </a:schemeClr>
+                </a:solidFill>
+                <a:latin typeface="+mn-lt"/>
+                <a:ea typeface="+mn-ea"/>
+                <a:cs typeface="+mn-cs"/>
+              </a:defRPr>
+            </a:lvl1pPr>
+            <a:lvl2pPr marL="685800" indent="-228600" algn="l" defTabSz="914400" rtl="0" eaLnBrk="1" latinLnBrk="0" hangingPunct="1">
+              <a:lnSpc>
+                <a:spcPts val="1800"/>
+              </a:lnSpc>
+              <a:spcBef>
+                <a:spcPts val="1000"/>
+              </a:spcBef>
+              <a:spcAft>
+                <a:spcPts val="1000"/>
+              </a:spcAft>
+              <a:buFont typeface="Arial" panose="020B0604020202020204" pitchFamily="34" charset="0"/>
+              <a:buChar char="•"/>
+              <a:defRPr lang="en-US" sz="1200" kern="1200" smtClean="0">
+                <a:solidFill>
+                  <a:schemeClr val="tx1">
+                    <a:lumMod val="75000"/>
+                    <a:lumOff val="25000"/>
+                  </a:schemeClr>
+                </a:solidFill>
+                <a:latin typeface="+mn-lt"/>
+                <a:ea typeface="+mn-ea"/>
+                <a:cs typeface="+mn-cs"/>
+              </a:defRPr>
+            </a:lvl2pPr>
+            <a:lvl3pPr marL="1143000" indent="-228600" algn="l" defTabSz="914400" rtl="0" eaLnBrk="1" latinLnBrk="0" hangingPunct="1">
+              <a:lnSpc>
+                <a:spcPts val="1800"/>
+              </a:lnSpc>
+              <a:spcBef>
+                <a:spcPts val="1000"/>
+              </a:spcBef>
+              <a:spcAft>
+                <a:spcPts val="1000"/>
+              </a:spcAft>
+              <a:buFont typeface="Arial" panose="020B0604020202020204" pitchFamily="34" charset="0"/>
+              <a:buChar char="•"/>
+              <a:defRPr lang="en-US" sz="1200" kern="1200" smtClean="0">
+                <a:solidFill>
+                  <a:schemeClr val="tx1">
+                    <a:lumMod val="75000"/>
+                    <a:lumOff val="25000"/>
+                  </a:schemeClr>
+                </a:solidFill>
+                <a:latin typeface="+mn-lt"/>
+                <a:ea typeface="+mn-ea"/>
+                <a:cs typeface="+mn-cs"/>
+              </a:defRPr>
+            </a:lvl3pPr>
+            <a:lvl4pPr marL="1600200" indent="-228600" algn="l" defTabSz="914400" rtl="0" eaLnBrk="1" latinLnBrk="0" hangingPunct="1">
+              <a:lnSpc>
+                <a:spcPts val="1800"/>
+              </a:lnSpc>
+              <a:spcBef>
+                <a:spcPts val="1000"/>
+              </a:spcBef>
+              <a:spcAft>
+                <a:spcPts val="1000"/>
+              </a:spcAft>
+              <a:buFont typeface="Arial" panose="020B0604020202020204" pitchFamily="34" charset="0"/>
+              <a:buChar char="•"/>
+              <a:defRPr lang="en-US" sz="1200" kern="1200" smtClean="0">
+                <a:solidFill>
+                  <a:schemeClr val="tx1">
+                    <a:lumMod val="75000"/>
+                    <a:lumOff val="25000"/>
+                  </a:schemeClr>
+                </a:solidFill>
+                <a:latin typeface="+mn-lt"/>
+                <a:ea typeface="+mn-ea"/>
+                <a:cs typeface="+mn-cs"/>
+              </a:defRPr>
+            </a:lvl4pPr>
+            <a:lvl5pPr marL="2057400" indent="-228600" algn="l" defTabSz="914400" rtl="0" eaLnBrk="1" latinLnBrk="0" hangingPunct="1">
+              <a:lnSpc>
+                <a:spcPts val="1800"/>
+              </a:lnSpc>
+              <a:spcBef>
+                <a:spcPts val="1000"/>
+              </a:spcBef>
+              <a:spcAft>
+                <a:spcPts val="1000"/>
+              </a:spcAft>
+              <a:buFont typeface="Arial" panose="020B0604020202020204" pitchFamily="34" charset="0"/>
+              <a:buChar char="•"/>
+              <a:defRPr lang="en-US" sz="1200" kern="1200">
+                <a:solidFill>
+                  <a:schemeClr val="tx1">
+                    <a:lumMod val="75000"/>
+                    <a:lumOff val="25000"/>
+                  </a:schemeClr>
+                </a:solidFill>
+                <a:latin typeface="+mn-lt"/>
+                <a:ea typeface="+mn-ea"/>
+                <a:cs typeface="+mn-cs"/>
+              </a:defRPr>
+            </a:lvl5pPr>
+            <a:lvl6pPr marL="2514600" indent="-228600" algn="l" defTabSz="914400" rtl="0" eaLnBrk="1" latinLnBrk="0" hangingPunct="1">
+              <a:lnSpc>
+                <a:spcPct val="90000"/>
+              </a:lnSpc>
+              <a:spcBef>
+                <a:spcPct val="30000"/>
+              </a:spcBef>
+              <a:buFont typeface="Arial" panose="020B0604020202020204" pitchFamily="34" charset="0"/>
+              <a:buChar char="•"/>
+              <a:defRPr sz="1800" kern="1200">
+                <a:solidFill>
+                  <a:schemeClr val="tx1"/>
+                </a:solidFill>
+                <a:latin typeface="+mn-lt"/>
+                <a:ea typeface="+mn-ea"/>
+                <a:cs typeface="+mn-cs"/>
+              </a:defRPr>
+            </a:lvl6pPr>
+            <a:lvl7pPr marL="2971800" indent="-228600" algn="l" defTabSz="914400" rtl="0" eaLnBrk="1" latinLnBrk="0" hangingPunct="1">
+              <a:lnSpc>
+                <a:spcPct val="90000"/>
+              </a:lnSpc>
+              <a:spcBef>
+                <a:spcPct val="30000"/>
+              </a:spcBef>
+              <a:buFont typeface="Arial" panose="020B0604020202020204" pitchFamily="34" charset="0"/>
+              <a:buChar char="•"/>
+              <a:defRPr sz="1800" kern="1200">
+                <a:solidFill>
+                  <a:schemeClr val="tx1"/>
+                </a:solidFill>
+                <a:latin typeface="+mn-lt"/>
+                <a:ea typeface="+mn-ea"/>
+                <a:cs typeface="+mn-cs"/>
+              </a:defRPr>
+            </a:lvl7pPr>
+            <a:lvl8pPr marL="3429000" indent="-228600" algn="l" defTabSz="914400" rtl="0" eaLnBrk="1" latinLnBrk="0" hangingPunct="1">
+              <a:lnSpc>
+                <a:spcPct val="90000"/>
+              </a:lnSpc>
+              <a:spcBef>
+                <a:spcPct val="30000"/>
+              </a:spcBef>
+              <a:buFont typeface="Arial" panose="020B0604020202020204" pitchFamily="34" charset="0"/>
+              <a:buChar char="•"/>
+              <a:defRPr sz="1800" kern="1200">
+                <a:solidFill>
+                  <a:schemeClr val="tx1"/>
+                </a:solidFill>
+                <a:latin typeface="+mn-lt"/>
+                <a:ea typeface="+mn-ea"/>
+                <a:cs typeface="+mn-cs"/>
+              </a:defRPr>
+            </a:lvl8pPr>
+            <a:lvl9pPr marL="3886200" indent="-228600" algn="l" defTabSz="914400" rtl="0" eaLnBrk="1" latinLnBrk="0" hangingPunct="1">
+              <a:lnSpc>
+                <a:spcPct val="90000"/>
+              </a:lnSpc>
+              <a:spcBef>
+                <a:spcPct val="30000"/>
+              </a:spcBef>
+              <a:buFont typeface="Arial" panose="020B0604020202020204" pitchFamily="34" charset="0"/>
+              <a:buChar char="•"/>
+              <a:defRPr sz="1800" kern="1200">
+                <a:solidFill>
+                  <a:schemeClr val="tx1"/>
+                </a:solidFill>
+                <a:latin typeface="+mn-lt"/>
+                <a:ea typeface="+mn-ea"/>
+                <a:cs typeface="+mn-cs"/>
+              </a:defRPr>
+            </a:lvl9pPr>
+          </a:lstStyle>
+          <a:p>
+            <a:pPr marL="0" lvl="0" indent="0" rtl="0">
+              <a:spcAft>
+                <a:spcPts val="600"/>
+              </a:spcAft>
+              <a:buNone/>
+              <a:defRPr/>
+            </a:pPr>
+            <a:endParaRPr lang="ko-KR" altLang="en-US" dirty="0">
+              <a:latin typeface="맑은 고딕" panose="020B0503020000020004" pitchFamily="50" charset="-127"/>
+              <a:ea typeface="맑은 고딕" panose="020B0503020000020004" pitchFamily="50" charset="-127"/>
+              <a:cs typeface="Segoe UI" panose="020B0502040204020203" pitchFamily="34" charset="0"/>
+            </a:endParaRPr>
+          </a:p>
+        </p:txBody>
+      </p:sp>
+      <p:sp>
+        <p:nvSpPr>
+          <p:cNvPr id="4" name="TextBox 3">
+            <a:extLst>
+              <a:ext uri="{FF2B5EF4-FFF2-40B4-BE49-F238E27FC236}">
+                <a16:creationId xmlns:a16="http://schemas.microsoft.com/office/drawing/2014/main" id="{15F68556-FFC6-F833-FF41-E5400F857F5F}"/>
+              </a:ext>
+            </a:extLst>
+          </p:cNvPr>
+          <p:cNvSpPr txBox="1"/>
+          <p:nvPr/>
+        </p:nvSpPr>
+        <p:spPr>
+          <a:xfrm>
+            <a:off x="860924" y="1638384"/>
+            <a:ext cx="4076836" cy="3751197"/>
+          </a:xfrm>
+          <a:prstGeom prst="rect">
+            <a:avLst/>
+          </a:prstGeom>
+          <a:noFill/>
+        </p:spPr>
+        <p:txBody>
+          <a:bodyPr wrap="square" rtlCol="0">
+            <a:spAutoFit/>
+          </a:bodyPr>
+          <a:lstStyle/>
+          <a:p>
+            <a:endParaRPr lang="ko-KR" altLang="en-US" dirty="0"/>
+          </a:p>
+        </p:txBody>
+      </p:sp>
+      <p:sp>
+        <p:nvSpPr>
+          <p:cNvPr id="5" name="Rectangle 1">
+            <a:extLst>
+              <a:ext uri="{FF2B5EF4-FFF2-40B4-BE49-F238E27FC236}">
+                <a16:creationId xmlns:a16="http://schemas.microsoft.com/office/drawing/2014/main" id="{00F04F41-736E-A38C-CE62-D13D5071C739}"/>
+              </a:ext>
+            </a:extLst>
+          </p:cNvPr>
+          <p:cNvSpPr>
+            <a:spLocks noChangeArrowheads="1"/>
+          </p:cNvSpPr>
+          <p:nvPr/>
+        </p:nvSpPr>
+        <p:spPr bwMode="auto">
+          <a:xfrm>
+            <a:off x="651835" y="1348098"/>
+            <a:ext cx="11372070" cy="4709496"/>
+          </a:xfrm>
+          <a:prstGeom prst="rect">
+            <a:avLst/>
+          </a:prstGeom>
+          <a:noFill/>
+          <a:ln>
+            <a:noFill/>
+          </a:ln>
+          <a:effectLst/>
+          <a:extLst>
+            <a:ext uri="{909E8E84-426E-40DD-AFC4-6F175D3DCCD1}">
+              <a14:hiddenFill xmlns:a14="http://schemas.microsoft.com/office/drawing/2010/main">
+                <a:solidFill>
+                  <a:schemeClr val="accent1"/>
+                </a:solidFill>
+              </a14:hiddenFill>
+            </a:ext>
+            <a:ext uri="{91240B29-F687-4F45-9708-019B960494DF}">
+              <a14:hiddenLine xmlns:a14="http://schemas.microsoft.com/office/drawing/2010/main" w="9525">
+                <a:solidFill>
+                  <a:schemeClr val="tx1"/>
+                </a:solidFill>
+                <a:miter lim="800000"/>
+                <a:headEnd/>
+                <a:tailEnd/>
+              </a14:hiddenLine>
+            </a:ext>
+            <a:ext uri="{AF507438-7753-43E0-B8FC-AC1667EBCBE1}">
+              <a14:hiddenEffects xmlns:a14="http://schemas.microsoft.com/office/drawing/2010/main">
+                <a:effectLst>
+                  <a:outerShdw dist="35921" dir="2700000" algn="ctr" rotWithShape="0">
+                    <a:schemeClr val="bg2"/>
+                  </a:outerShdw>
+                </a:effectLst>
+              </a14:hiddenEffects>
+            </a:ext>
+          </a:extLst>
+        </p:spPr>
+        <p:txBody>
+          <a:bodyPr vert="horz" wrap="square" lIns="0" tIns="198375" rIns="0" bIns="198375" numCol="1" anchor="ctr" anchorCtr="0" compatLnSpc="1">
+            <a:prstTxWarp prst="textNoShape">
+              <a:avLst/>
+            </a:prstTxWarp>
+            <a:spAutoFit/>
+          </a:bodyPr>
+          <a:lstStyle>
+            <a:lvl1pPr eaLnBrk="0" fontAlgn="base" hangingPunct="0">
+              <a:spcBef>
+                <a:spcPct val="0"/>
+              </a:spcBef>
+              <a:spcAft>
+                <a:spcPct val="0"/>
+              </a:spcAft>
+              <a:defRPr>
+                <a:solidFill>
+                  <a:schemeClr val="tx1"/>
+                </a:solidFill>
+                <a:latin typeface="Arial" panose="020B0604020202020204" pitchFamily="34" charset="0"/>
+              </a:defRPr>
+            </a:lvl1pPr>
+            <a:lvl2pPr eaLnBrk="0" fontAlgn="base" hangingPunct="0">
+              <a:spcBef>
+                <a:spcPct val="0"/>
+              </a:spcBef>
+              <a:spcAft>
+                <a:spcPct val="0"/>
+              </a:spcAft>
+              <a:defRPr>
+                <a:solidFill>
+                  <a:schemeClr val="tx1"/>
+                </a:solidFill>
+                <a:latin typeface="Arial" panose="020B0604020202020204" pitchFamily="34" charset="0"/>
+              </a:defRPr>
+            </a:lvl2pPr>
+            <a:lvl3pPr eaLnBrk="0" fontAlgn="base" hangingPunct="0">
+              <a:spcBef>
+                <a:spcPct val="0"/>
+              </a:spcBef>
+              <a:spcAft>
+                <a:spcPct val="0"/>
+              </a:spcAft>
+              <a:defRPr>
+                <a:solidFill>
+                  <a:schemeClr val="tx1"/>
+                </a:solidFill>
+                <a:latin typeface="Arial" panose="020B0604020202020204" pitchFamily="34" charset="0"/>
+              </a:defRPr>
+            </a:lvl3pPr>
+            <a:lvl4pPr eaLnBrk="0" fontAlgn="base" hangingPunct="0">
+              <a:spcBef>
+                <a:spcPct val="0"/>
+              </a:spcBef>
+              <a:spcAft>
+                <a:spcPct val="0"/>
+              </a:spcAft>
+              <a:defRPr>
+                <a:solidFill>
+                  <a:schemeClr val="tx1"/>
+                </a:solidFill>
+                <a:latin typeface="Arial" panose="020B0604020202020204" pitchFamily="34" charset="0"/>
+              </a:defRPr>
+            </a:lvl4pPr>
+            <a:lvl5pPr eaLnBrk="0" fontAlgn="base" hangingPunct="0">
+              <a:spcBef>
+                <a:spcPct val="0"/>
+              </a:spcBef>
+              <a:spcAft>
+                <a:spcPct val="0"/>
+              </a:spcAft>
+              <a:defRPr>
+                <a:solidFill>
+                  <a:schemeClr val="tx1"/>
+                </a:solidFill>
+                <a:latin typeface="Arial" panose="020B0604020202020204" pitchFamily="34" charset="0"/>
+              </a:defRPr>
+            </a:lvl5pPr>
+            <a:lvl6pPr eaLnBrk="0" fontAlgn="base" hangingPunct="0">
+              <a:spcBef>
+                <a:spcPct val="0"/>
+              </a:spcBef>
+              <a:spcAft>
+                <a:spcPct val="0"/>
+              </a:spcAft>
+              <a:defRPr>
+                <a:solidFill>
+                  <a:schemeClr val="tx1"/>
+                </a:solidFill>
+                <a:latin typeface="Arial" panose="020B0604020202020204" pitchFamily="34" charset="0"/>
+              </a:defRPr>
+            </a:lvl6pPr>
+            <a:lvl7pPr eaLnBrk="0" fontAlgn="base" hangingPunct="0">
+              <a:spcBef>
+                <a:spcPct val="0"/>
+              </a:spcBef>
+              <a:spcAft>
+                <a:spcPct val="0"/>
+              </a:spcAft>
+              <a:defRPr>
+                <a:solidFill>
+                  <a:schemeClr val="tx1"/>
+                </a:solidFill>
+                <a:latin typeface="Arial" panose="020B0604020202020204" pitchFamily="34" charset="0"/>
+              </a:defRPr>
+            </a:lvl7pPr>
+            <a:lvl8pPr eaLnBrk="0" fontAlgn="base" hangingPunct="0">
+              <a:spcBef>
+                <a:spcPct val="0"/>
+              </a:spcBef>
+              <a:spcAft>
+                <a:spcPct val="0"/>
+              </a:spcAft>
+              <a:defRPr>
+                <a:solidFill>
+                  <a:schemeClr val="tx1"/>
+                </a:solidFill>
+                <a:latin typeface="Arial" panose="020B0604020202020204" pitchFamily="34" charset="0"/>
+              </a:defRPr>
+            </a:lvl8pPr>
+            <a:lvl9pPr eaLnBrk="0" fontAlgn="base" hangingPunct="0">
+              <a:spcBef>
+                <a:spcPct val="0"/>
+              </a:spcBef>
+              <a:spcAft>
+                <a:spcPct val="0"/>
+              </a:spcAft>
+              <a:defRPr>
+                <a:solidFill>
+                  <a:schemeClr val="tx1"/>
+                </a:solidFill>
+                <a:latin typeface="Arial" panose="020B0604020202020204" pitchFamily="34" charset="0"/>
+              </a:defRPr>
+            </a:lvl9pPr>
+          </a:lstStyle>
+          <a:p>
+            <a:pPr lvl="0"/>
+            <a:r>
+              <a:rPr kumimoji="0" lang="ko-KR" altLang="ko-KR" sz="1400" i="0" u="none" strike="noStrike" cap="none" normalizeH="0" baseline="0" dirty="0">
+                <a:ln>
+                  <a:noFill/>
+                </a:ln>
+                <a:solidFill>
+                  <a:srgbClr val="374151"/>
+                </a:solidFill>
+                <a:effectLst/>
+                <a:latin typeface="굴림" panose="020B0600000101010101" pitchFamily="50" charset="-127"/>
+                <a:ea typeface="굴림" panose="020B0600000101010101" pitchFamily="50" charset="-127"/>
+              </a:rPr>
+              <a:t>간단히 말하면, </a:t>
+            </a:r>
+            <a:r>
+              <a:rPr kumimoji="0" lang="ko-KR" altLang="ko-KR" sz="1400" i="0" u="none" strike="noStrike" cap="none" normalizeH="0" baseline="0" dirty="0" err="1">
+                <a:ln>
+                  <a:noFill/>
+                </a:ln>
+                <a:solidFill>
+                  <a:srgbClr val="374151"/>
+                </a:solidFill>
+                <a:effectLst/>
+                <a:latin typeface="굴림" panose="020B0600000101010101" pitchFamily="50" charset="-127"/>
+                <a:ea typeface="굴림" panose="020B0600000101010101" pitchFamily="50" charset="-127"/>
+              </a:rPr>
+              <a:t>Git은</a:t>
+            </a:r>
+            <a:r>
+              <a:rPr kumimoji="0" lang="ko-KR" altLang="ko-KR" sz="1400" i="0" u="none" strike="noStrike" cap="none" normalizeH="0" baseline="0" dirty="0">
+                <a:ln>
+                  <a:noFill/>
+                </a:ln>
+                <a:solidFill>
+                  <a:srgbClr val="374151"/>
+                </a:solidFill>
+                <a:effectLst/>
+                <a:latin typeface="굴림" panose="020B0600000101010101" pitchFamily="50" charset="-127"/>
+                <a:ea typeface="굴림" panose="020B0600000101010101" pitchFamily="50" charset="-127"/>
+              </a:rPr>
+              <a:t> 버전 관리 시스템으로서 로컬 환경에서 작동하며 코드의 변경 이력을 추적합니다. </a:t>
+            </a:r>
+            <a:endParaRPr kumimoji="0" lang="en-US" altLang="ko-KR" sz="1400" i="0" u="none" strike="noStrike" cap="none" normalizeH="0" baseline="0" dirty="0">
+              <a:ln>
+                <a:noFill/>
+              </a:ln>
+              <a:solidFill>
+                <a:srgbClr val="374151"/>
+              </a:solidFill>
+              <a:effectLst/>
+              <a:latin typeface="굴림" panose="020B0600000101010101" pitchFamily="50" charset="-127"/>
+              <a:ea typeface="굴림" panose="020B0600000101010101" pitchFamily="50" charset="-127"/>
+            </a:endParaRPr>
+          </a:p>
+          <a:p>
+            <a:pPr lvl="0"/>
+            <a:r>
+              <a:rPr kumimoji="0" lang="ko-KR" altLang="ko-KR" sz="1400" i="0" u="none" strike="noStrike" cap="none" normalizeH="0" baseline="0" dirty="0">
+                <a:ln>
+                  <a:noFill/>
+                </a:ln>
+                <a:solidFill>
+                  <a:srgbClr val="374151"/>
+                </a:solidFill>
+                <a:effectLst/>
+                <a:latin typeface="굴림" panose="020B0600000101010101" pitchFamily="50" charset="-127"/>
+                <a:ea typeface="굴림" panose="020B0600000101010101" pitchFamily="50" charset="-127"/>
+              </a:rPr>
+              <a:t>반면에 </a:t>
+            </a:r>
+            <a:r>
+              <a:rPr kumimoji="0" lang="ko-KR" altLang="ko-KR" sz="1400" i="0" u="none" strike="noStrike" cap="none" normalizeH="0" baseline="0" dirty="0" err="1">
+                <a:ln>
+                  <a:noFill/>
+                </a:ln>
+                <a:solidFill>
+                  <a:srgbClr val="374151"/>
+                </a:solidFill>
+                <a:effectLst/>
+                <a:latin typeface="굴림" panose="020B0600000101010101" pitchFamily="50" charset="-127"/>
+                <a:ea typeface="굴림" panose="020B0600000101010101" pitchFamily="50" charset="-127"/>
+              </a:rPr>
+              <a:t>GitHub는</a:t>
+            </a:r>
+            <a:r>
+              <a:rPr kumimoji="0" lang="ko-KR" altLang="ko-KR" sz="1400" i="0" u="none" strike="noStrike" cap="none" normalizeH="0" baseline="0" dirty="0">
+                <a:ln>
+                  <a:noFill/>
+                </a:ln>
+                <a:solidFill>
+                  <a:srgbClr val="374151"/>
+                </a:solidFill>
+                <a:effectLst/>
+                <a:latin typeface="굴림" panose="020B0600000101010101" pitchFamily="50" charset="-127"/>
+                <a:ea typeface="굴림" panose="020B0600000101010101" pitchFamily="50" charset="-127"/>
+              </a:rPr>
+              <a:t> </a:t>
+            </a:r>
+            <a:r>
+              <a:rPr kumimoji="0" lang="ko-KR" altLang="ko-KR" sz="1400" i="0" u="none" strike="noStrike" cap="none" normalizeH="0" baseline="0" dirty="0" err="1">
+                <a:ln>
+                  <a:noFill/>
+                </a:ln>
+                <a:solidFill>
+                  <a:srgbClr val="374151"/>
+                </a:solidFill>
+                <a:effectLst/>
+                <a:latin typeface="굴림" panose="020B0600000101010101" pitchFamily="50" charset="-127"/>
+                <a:ea typeface="굴림" panose="020B0600000101010101" pitchFamily="50" charset="-127"/>
+              </a:rPr>
+              <a:t>Git을</a:t>
+            </a:r>
+            <a:r>
+              <a:rPr kumimoji="0" lang="ko-KR" altLang="ko-KR" sz="1400" i="0" u="none" strike="noStrike" cap="none" normalizeH="0" baseline="0" dirty="0">
+                <a:ln>
+                  <a:noFill/>
+                </a:ln>
+                <a:solidFill>
+                  <a:srgbClr val="374151"/>
+                </a:solidFill>
+                <a:effectLst/>
+                <a:latin typeface="굴림" panose="020B0600000101010101" pitchFamily="50" charset="-127"/>
+                <a:ea typeface="굴림" panose="020B0600000101010101" pitchFamily="50" charset="-127"/>
+              </a:rPr>
+              <a:t> 기반으로 한 웹 호스팅 서비스로서, 원격 저장소를 통해 프로젝트를 협업하고 관리할 수 있는 다양한 기능을 제공합니다.</a:t>
+            </a:r>
+            <a:endParaRPr kumimoji="0" lang="en-US" altLang="ko-KR" sz="1400" i="0" u="none" strike="noStrike" cap="none" normalizeH="0" baseline="0" dirty="0">
+              <a:ln>
+                <a:noFill/>
+              </a:ln>
+              <a:solidFill>
+                <a:srgbClr val="374151"/>
+              </a:solidFill>
+              <a:effectLst/>
+              <a:latin typeface="굴림" panose="020B0600000101010101" pitchFamily="50" charset="-127"/>
+              <a:ea typeface="굴림" panose="020B0600000101010101" pitchFamily="50" charset="-127"/>
+            </a:endParaRPr>
+          </a:p>
+          <a:p>
+            <a:pPr lvl="0"/>
+            <a:endParaRPr lang="en-US" altLang="ko-KR" sz="1400" dirty="0">
+              <a:solidFill>
+                <a:srgbClr val="374151"/>
+              </a:solidFill>
+              <a:latin typeface="굴림" panose="020B0600000101010101" pitchFamily="50" charset="-127"/>
+              <a:ea typeface="굴림" panose="020B0600000101010101" pitchFamily="50" charset="-127"/>
+            </a:endParaRPr>
+          </a:p>
+          <a:p>
+            <a:pPr lvl="0"/>
+            <a:endParaRPr lang="en-US" altLang="ko-KR" sz="1400" dirty="0">
+              <a:solidFill>
+                <a:srgbClr val="374151"/>
+              </a:solidFill>
+              <a:latin typeface="굴림" panose="020B0600000101010101" pitchFamily="50" charset="-127"/>
+              <a:ea typeface="굴림" panose="020B0600000101010101" pitchFamily="50" charset="-127"/>
+            </a:endParaRPr>
+          </a:p>
+          <a:p>
+            <a:pPr lvl="0"/>
+            <a:endParaRPr lang="en-US" altLang="ko-KR" sz="1400" dirty="0">
+              <a:solidFill>
+                <a:srgbClr val="374151"/>
+              </a:solidFill>
+              <a:latin typeface="굴림" panose="020B0600000101010101" pitchFamily="50" charset="-127"/>
+              <a:ea typeface="굴림" panose="020B0600000101010101" pitchFamily="50" charset="-127"/>
+            </a:endParaRPr>
+          </a:p>
+          <a:p>
+            <a:pPr lvl="0"/>
+            <a:endParaRPr lang="ko-KR" altLang="ko-KR" sz="1400" dirty="0">
+              <a:latin typeface="굴림" panose="020B0600000101010101" pitchFamily="50" charset="-127"/>
+              <a:ea typeface="굴림" panose="020B0600000101010101" pitchFamily="50" charset="-127"/>
+            </a:endParaRPr>
+          </a:p>
+          <a:p>
+            <a:pPr lvl="0">
+              <a:buFontTx/>
+              <a:buAutoNum type="arabicPeriod"/>
+            </a:pPr>
+            <a:r>
+              <a:rPr lang="ko-KR" altLang="ko-KR" sz="1400" dirty="0" err="1">
+                <a:solidFill>
+                  <a:srgbClr val="374151"/>
+                </a:solidFill>
+                <a:latin typeface="굴림" panose="020B0600000101010101" pitchFamily="50" charset="-127"/>
+                <a:ea typeface="굴림" panose="020B0600000101010101" pitchFamily="50" charset="-127"/>
+              </a:rPr>
+              <a:t>Git</a:t>
+            </a:r>
+            <a:r>
+              <a:rPr lang="ko-KR" altLang="ko-KR" sz="1400" dirty="0">
+                <a:solidFill>
+                  <a:srgbClr val="374151"/>
+                </a:solidFill>
+                <a:latin typeface="굴림" panose="020B0600000101010101" pitchFamily="50" charset="-127"/>
+                <a:ea typeface="굴림" panose="020B0600000101010101" pitchFamily="50" charset="-127"/>
+              </a:rPr>
+              <a:t>:</a:t>
+            </a:r>
+            <a:endParaRPr lang="en-US" altLang="ko-KR" sz="1400" dirty="0">
+              <a:solidFill>
+                <a:srgbClr val="374151"/>
+              </a:solidFill>
+              <a:latin typeface="굴림" panose="020B0600000101010101" pitchFamily="50" charset="-127"/>
+              <a:ea typeface="굴림" panose="020B0600000101010101" pitchFamily="50" charset="-127"/>
+            </a:endParaRPr>
+          </a:p>
+          <a:p>
+            <a:pPr marL="457200" marR="0" lvl="1" indent="0" algn="l" defTabSz="914400" rtl="0" eaLnBrk="0" fontAlgn="base" latinLnBrk="0" hangingPunct="0">
+              <a:lnSpc>
+                <a:spcPct val="100000"/>
+              </a:lnSpc>
+              <a:spcBef>
+                <a:spcPct val="0"/>
+              </a:spcBef>
+              <a:spcAft>
+                <a:spcPct val="0"/>
+              </a:spcAft>
+              <a:buClrTx/>
+              <a:buSzTx/>
+              <a:buFontTx/>
+              <a:buChar char="•"/>
+              <a:tabLst/>
+            </a:pPr>
+            <a:r>
+              <a:rPr kumimoji="0" lang="ko-KR" altLang="ko-KR" sz="1400" i="0" u="none" strike="noStrike" cap="none" normalizeH="0" baseline="0" dirty="0" err="1">
+                <a:ln>
+                  <a:noFill/>
+                </a:ln>
+                <a:solidFill>
+                  <a:srgbClr val="374151"/>
+                </a:solidFill>
+                <a:effectLst/>
+                <a:latin typeface="굴림" panose="020B0600000101010101" pitchFamily="50" charset="-127"/>
+                <a:ea typeface="굴림" panose="020B0600000101010101" pitchFamily="50" charset="-127"/>
+              </a:rPr>
+              <a:t>Git은</a:t>
+            </a:r>
+            <a:r>
+              <a:rPr kumimoji="0" lang="ko-KR" altLang="ko-KR" sz="1400" i="0" u="none" strike="noStrike" cap="none" normalizeH="0" baseline="0" dirty="0">
+                <a:ln>
+                  <a:noFill/>
+                </a:ln>
+                <a:solidFill>
+                  <a:srgbClr val="374151"/>
+                </a:solidFill>
+                <a:effectLst/>
+                <a:latin typeface="굴림" panose="020B0600000101010101" pitchFamily="50" charset="-127"/>
+                <a:ea typeface="굴림" panose="020B0600000101010101" pitchFamily="50" charset="-127"/>
+              </a:rPr>
+              <a:t> 분산 버전 관리 시스템(</a:t>
+            </a:r>
+            <a:r>
+              <a:rPr kumimoji="0" lang="ko-KR" altLang="ko-KR" sz="1400" i="0" u="none" strike="noStrike" cap="none" normalizeH="0" baseline="0" dirty="0" err="1">
+                <a:ln>
+                  <a:noFill/>
+                </a:ln>
+                <a:solidFill>
+                  <a:srgbClr val="374151"/>
+                </a:solidFill>
+                <a:effectLst/>
+                <a:latin typeface="굴림" panose="020B0600000101010101" pitchFamily="50" charset="-127"/>
+                <a:ea typeface="굴림" panose="020B0600000101010101" pitchFamily="50" charset="-127"/>
+              </a:rPr>
+              <a:t>Distributed</a:t>
+            </a:r>
+            <a:r>
+              <a:rPr kumimoji="0" lang="ko-KR" altLang="ko-KR" sz="1400" i="0" u="none" strike="noStrike" cap="none" normalizeH="0" baseline="0" dirty="0">
+                <a:ln>
+                  <a:noFill/>
+                </a:ln>
+                <a:solidFill>
+                  <a:srgbClr val="374151"/>
+                </a:solidFill>
+                <a:effectLst/>
+                <a:latin typeface="굴림" panose="020B0600000101010101" pitchFamily="50" charset="-127"/>
+                <a:ea typeface="굴림" panose="020B0600000101010101" pitchFamily="50" charset="-127"/>
+              </a:rPr>
+              <a:t> </a:t>
+            </a:r>
+            <a:r>
+              <a:rPr kumimoji="0" lang="ko-KR" altLang="ko-KR" sz="1400" i="0" u="none" strike="noStrike" cap="none" normalizeH="0" baseline="0" dirty="0" err="1">
+                <a:ln>
+                  <a:noFill/>
+                </a:ln>
+                <a:solidFill>
+                  <a:srgbClr val="374151"/>
+                </a:solidFill>
+                <a:effectLst/>
+                <a:latin typeface="굴림" panose="020B0600000101010101" pitchFamily="50" charset="-127"/>
+                <a:ea typeface="굴림" panose="020B0600000101010101" pitchFamily="50" charset="-127"/>
+              </a:rPr>
+              <a:t>Version</a:t>
+            </a:r>
+            <a:r>
+              <a:rPr kumimoji="0" lang="ko-KR" altLang="ko-KR" sz="1400" i="0" u="none" strike="noStrike" cap="none" normalizeH="0" baseline="0" dirty="0">
+                <a:ln>
+                  <a:noFill/>
+                </a:ln>
+                <a:solidFill>
+                  <a:srgbClr val="374151"/>
+                </a:solidFill>
+                <a:effectLst/>
+                <a:latin typeface="굴림" panose="020B0600000101010101" pitchFamily="50" charset="-127"/>
+                <a:ea typeface="굴림" panose="020B0600000101010101" pitchFamily="50" charset="-127"/>
+              </a:rPr>
+              <a:t> </a:t>
+            </a:r>
+            <a:r>
+              <a:rPr kumimoji="0" lang="ko-KR" altLang="ko-KR" sz="1400" i="0" u="none" strike="noStrike" cap="none" normalizeH="0" baseline="0" dirty="0" err="1">
+                <a:ln>
+                  <a:noFill/>
+                </a:ln>
+                <a:solidFill>
+                  <a:srgbClr val="374151"/>
+                </a:solidFill>
+                <a:effectLst/>
+                <a:latin typeface="굴림" panose="020B0600000101010101" pitchFamily="50" charset="-127"/>
+                <a:ea typeface="굴림" panose="020B0600000101010101" pitchFamily="50" charset="-127"/>
+              </a:rPr>
+              <a:t>Control</a:t>
+            </a:r>
+            <a:r>
+              <a:rPr kumimoji="0" lang="ko-KR" altLang="ko-KR" sz="1400" i="0" u="none" strike="noStrike" cap="none" normalizeH="0" baseline="0" dirty="0">
+                <a:ln>
+                  <a:noFill/>
+                </a:ln>
+                <a:solidFill>
+                  <a:srgbClr val="374151"/>
+                </a:solidFill>
+                <a:effectLst/>
+                <a:latin typeface="굴림" panose="020B0600000101010101" pitchFamily="50" charset="-127"/>
+                <a:ea typeface="굴림" panose="020B0600000101010101" pitchFamily="50" charset="-127"/>
+              </a:rPr>
+              <a:t> System, DVCS)입니다.</a:t>
+            </a:r>
+          </a:p>
+          <a:p>
+            <a:pPr marL="457200" marR="0" lvl="1" indent="0" algn="l" defTabSz="914400" rtl="0" eaLnBrk="0" fontAlgn="base" latinLnBrk="0" hangingPunct="0">
+              <a:lnSpc>
+                <a:spcPct val="100000"/>
+              </a:lnSpc>
+              <a:spcBef>
+                <a:spcPct val="0"/>
+              </a:spcBef>
+              <a:spcAft>
+                <a:spcPct val="0"/>
+              </a:spcAft>
+              <a:buClrTx/>
+              <a:buSzTx/>
+              <a:buFontTx/>
+              <a:buChar char="•"/>
+              <a:tabLst/>
+            </a:pPr>
+            <a:r>
+              <a:rPr kumimoji="0" lang="ko-KR" altLang="ko-KR" sz="1400" i="0" u="none" strike="noStrike" cap="none" normalizeH="0" baseline="0" dirty="0">
+                <a:ln>
+                  <a:noFill/>
+                </a:ln>
+                <a:solidFill>
+                  <a:srgbClr val="374151"/>
+                </a:solidFill>
+                <a:effectLst/>
+                <a:latin typeface="굴림" panose="020B0600000101010101" pitchFamily="50" charset="-127"/>
+                <a:ea typeface="굴림" panose="020B0600000101010101" pitchFamily="50" charset="-127"/>
+              </a:rPr>
+              <a:t>코드의 버전을 관리하고 변경 이력을 추적하며, 여러 개발자 간의 협업을 가능하게 합니다.</a:t>
+            </a:r>
+          </a:p>
+          <a:p>
+            <a:pPr marL="457200" marR="0" lvl="1" indent="0" algn="l" defTabSz="914400" rtl="0" eaLnBrk="0" fontAlgn="base" latinLnBrk="0" hangingPunct="0">
+              <a:lnSpc>
+                <a:spcPct val="100000"/>
+              </a:lnSpc>
+              <a:spcBef>
+                <a:spcPct val="0"/>
+              </a:spcBef>
+              <a:spcAft>
+                <a:spcPct val="0"/>
+              </a:spcAft>
+              <a:buClrTx/>
+              <a:buSzTx/>
+              <a:buFontTx/>
+              <a:buChar char="•"/>
+              <a:tabLst/>
+            </a:pPr>
+            <a:r>
+              <a:rPr kumimoji="0" lang="ko-KR" altLang="ko-KR" sz="1400" i="0" u="none" strike="noStrike" cap="none" normalizeH="0" baseline="0" dirty="0">
+                <a:ln>
+                  <a:noFill/>
+                </a:ln>
+                <a:solidFill>
+                  <a:srgbClr val="374151"/>
+                </a:solidFill>
+                <a:effectLst/>
+                <a:latin typeface="굴림" panose="020B0600000101010101" pitchFamily="50" charset="-127"/>
+                <a:ea typeface="굴림" panose="020B0600000101010101" pitchFamily="50" charset="-127"/>
+              </a:rPr>
+              <a:t>로컬 환경에서 동작하며, 소스 코드 변경 내용을 추적하고 변경 내용을 저장하고 복구할 수 있습니다.</a:t>
+            </a:r>
+            <a:endParaRPr kumimoji="0" lang="en-US" altLang="ko-KR" sz="1400" i="0" u="none" strike="noStrike" cap="none" normalizeH="0" baseline="0" dirty="0">
+              <a:ln>
+                <a:noFill/>
+              </a:ln>
+              <a:solidFill>
+                <a:srgbClr val="374151"/>
+              </a:solidFill>
+              <a:effectLst/>
+              <a:latin typeface="굴림" panose="020B0600000101010101" pitchFamily="50" charset="-127"/>
+              <a:ea typeface="굴림" panose="020B0600000101010101" pitchFamily="50" charset="-127"/>
+            </a:endParaRPr>
+          </a:p>
+          <a:p>
+            <a:pPr marL="457200" marR="0" lvl="1" indent="0" algn="l" defTabSz="914400" rtl="0" eaLnBrk="0" fontAlgn="base" latinLnBrk="0" hangingPunct="0">
+              <a:lnSpc>
+                <a:spcPct val="100000"/>
+              </a:lnSpc>
+              <a:spcBef>
+                <a:spcPct val="0"/>
+              </a:spcBef>
+              <a:spcAft>
+                <a:spcPct val="0"/>
+              </a:spcAft>
+              <a:buClrTx/>
+              <a:buSzTx/>
+              <a:buFontTx/>
+              <a:buChar char="•"/>
+              <a:tabLst/>
+            </a:pPr>
+            <a:endParaRPr lang="en-US" altLang="ko-KR" sz="1400" dirty="0">
+              <a:solidFill>
+                <a:srgbClr val="374151"/>
+              </a:solidFill>
+              <a:latin typeface="굴림" panose="020B0600000101010101" pitchFamily="50" charset="-127"/>
+              <a:ea typeface="굴림" panose="020B0600000101010101" pitchFamily="50" charset="-127"/>
+            </a:endParaRPr>
+          </a:p>
+          <a:p>
+            <a:pPr marL="457200" marR="0" lvl="1" indent="0" algn="l" defTabSz="914400" rtl="0" eaLnBrk="0" fontAlgn="base" latinLnBrk="0" hangingPunct="0">
+              <a:lnSpc>
+                <a:spcPct val="100000"/>
+              </a:lnSpc>
+              <a:spcBef>
+                <a:spcPct val="0"/>
+              </a:spcBef>
+              <a:spcAft>
+                <a:spcPct val="0"/>
+              </a:spcAft>
+              <a:buClrTx/>
+              <a:buSzTx/>
+              <a:buFontTx/>
+              <a:buChar char="•"/>
+              <a:tabLst/>
+            </a:pPr>
+            <a:endParaRPr kumimoji="0" lang="en-US" altLang="ko-KR" sz="1400" i="0" u="none" strike="noStrike" cap="none" normalizeH="0" baseline="0" dirty="0">
+              <a:ln>
+                <a:noFill/>
+              </a:ln>
+              <a:solidFill>
+                <a:srgbClr val="374151"/>
+              </a:solidFill>
+              <a:effectLst/>
+              <a:latin typeface="굴림" panose="020B0600000101010101" pitchFamily="50" charset="-127"/>
+              <a:ea typeface="굴림" panose="020B0600000101010101" pitchFamily="50" charset="-127"/>
+            </a:endParaRPr>
+          </a:p>
+          <a:p>
+            <a:pPr marL="0" marR="0" lvl="0" indent="0" algn="l" defTabSz="914400" rtl="0" eaLnBrk="0" fontAlgn="base" latinLnBrk="0" hangingPunct="0">
+              <a:lnSpc>
+                <a:spcPct val="100000"/>
+              </a:lnSpc>
+              <a:spcBef>
+                <a:spcPct val="0"/>
+              </a:spcBef>
+              <a:spcAft>
+                <a:spcPct val="0"/>
+              </a:spcAft>
+              <a:buClrTx/>
+              <a:buSzTx/>
+              <a:buFontTx/>
+              <a:buAutoNum type="arabicPeriod" startAt="2"/>
+              <a:tabLst/>
+            </a:pPr>
+            <a:r>
+              <a:rPr kumimoji="0" lang="ko-KR" altLang="ko-KR" sz="1400" i="0" u="none" strike="noStrike" cap="none" normalizeH="0" baseline="0" dirty="0">
+                <a:ln>
+                  <a:noFill/>
+                </a:ln>
+                <a:solidFill>
+                  <a:srgbClr val="374151"/>
+                </a:solidFill>
+                <a:effectLst/>
+                <a:latin typeface="굴림" panose="020B0600000101010101" pitchFamily="50" charset="-127"/>
+                <a:ea typeface="굴림" panose="020B0600000101010101" pitchFamily="50" charset="-127"/>
+              </a:rPr>
+              <a:t>GitHub:</a:t>
+            </a:r>
+          </a:p>
+          <a:p>
+            <a:pPr marL="457200" marR="0" lvl="1" indent="0" algn="l" defTabSz="914400" rtl="0" eaLnBrk="0" fontAlgn="base" latinLnBrk="0" hangingPunct="0">
+              <a:lnSpc>
+                <a:spcPct val="100000"/>
+              </a:lnSpc>
+              <a:spcBef>
+                <a:spcPct val="0"/>
+              </a:spcBef>
+              <a:spcAft>
+                <a:spcPct val="0"/>
+              </a:spcAft>
+              <a:buClrTx/>
+              <a:buSzTx/>
+              <a:buFontTx/>
+              <a:buChar char="•"/>
+              <a:tabLst/>
+            </a:pPr>
+            <a:r>
+              <a:rPr kumimoji="0" lang="ko-KR" altLang="ko-KR" sz="1400" i="0" u="none" strike="noStrike" cap="none" normalizeH="0" baseline="0" dirty="0" err="1">
+                <a:ln>
+                  <a:noFill/>
+                </a:ln>
+                <a:solidFill>
+                  <a:srgbClr val="374151"/>
+                </a:solidFill>
+                <a:effectLst/>
+                <a:latin typeface="굴림" panose="020B0600000101010101" pitchFamily="50" charset="-127"/>
+                <a:ea typeface="굴림" panose="020B0600000101010101" pitchFamily="50" charset="-127"/>
+              </a:rPr>
+              <a:t>GitHub는</a:t>
+            </a:r>
+            <a:r>
+              <a:rPr kumimoji="0" lang="ko-KR" altLang="ko-KR" sz="1400" i="0" u="none" strike="noStrike" cap="none" normalizeH="0" baseline="0" dirty="0">
+                <a:ln>
+                  <a:noFill/>
+                </a:ln>
+                <a:solidFill>
+                  <a:srgbClr val="374151"/>
+                </a:solidFill>
+                <a:effectLst/>
+                <a:latin typeface="굴림" panose="020B0600000101010101" pitchFamily="50" charset="-127"/>
+                <a:ea typeface="굴림" panose="020B0600000101010101" pitchFamily="50" charset="-127"/>
+              </a:rPr>
+              <a:t> </a:t>
+            </a:r>
+            <a:r>
+              <a:rPr kumimoji="0" lang="ko-KR" altLang="ko-KR" sz="1400" i="0" u="none" strike="noStrike" cap="none" normalizeH="0" baseline="0" dirty="0" err="1">
+                <a:ln>
+                  <a:noFill/>
+                </a:ln>
+                <a:solidFill>
+                  <a:srgbClr val="374151"/>
+                </a:solidFill>
+                <a:effectLst/>
+                <a:latin typeface="굴림" panose="020B0600000101010101" pitchFamily="50" charset="-127"/>
+                <a:ea typeface="굴림" panose="020B0600000101010101" pitchFamily="50" charset="-127"/>
+              </a:rPr>
+              <a:t>Git을</a:t>
+            </a:r>
+            <a:r>
+              <a:rPr kumimoji="0" lang="ko-KR" altLang="ko-KR" sz="1400" i="0" u="none" strike="noStrike" cap="none" normalizeH="0" baseline="0" dirty="0">
+                <a:ln>
+                  <a:noFill/>
+                </a:ln>
+                <a:solidFill>
+                  <a:srgbClr val="374151"/>
+                </a:solidFill>
+                <a:effectLst/>
+                <a:latin typeface="굴림" panose="020B0600000101010101" pitchFamily="50" charset="-127"/>
+                <a:ea typeface="굴림" panose="020B0600000101010101" pitchFamily="50" charset="-127"/>
+              </a:rPr>
+              <a:t> 기반으로 한 웹 기반의 호스팅 서비스입니다.</a:t>
+            </a:r>
+          </a:p>
+          <a:p>
+            <a:pPr marL="457200" marR="0" lvl="1" indent="0" algn="l" defTabSz="914400" rtl="0" eaLnBrk="0" fontAlgn="base" latinLnBrk="0" hangingPunct="0">
+              <a:lnSpc>
+                <a:spcPct val="100000"/>
+              </a:lnSpc>
+              <a:spcBef>
+                <a:spcPct val="0"/>
+              </a:spcBef>
+              <a:spcAft>
+                <a:spcPct val="0"/>
+              </a:spcAft>
+              <a:buClrTx/>
+              <a:buSzTx/>
+              <a:buFontTx/>
+              <a:buChar char="•"/>
+              <a:tabLst/>
+            </a:pPr>
+            <a:r>
+              <a:rPr kumimoji="0" lang="ko-KR" altLang="ko-KR" sz="1400" i="0" u="none" strike="noStrike" cap="none" normalizeH="0" baseline="0" dirty="0">
+                <a:ln>
+                  <a:noFill/>
+                </a:ln>
+                <a:solidFill>
+                  <a:srgbClr val="374151"/>
+                </a:solidFill>
+                <a:effectLst/>
+                <a:latin typeface="굴림" panose="020B0600000101010101" pitchFamily="50" charset="-127"/>
+                <a:ea typeface="굴림" panose="020B0600000101010101" pitchFamily="50" charset="-127"/>
+              </a:rPr>
+              <a:t>원격 저장소를 제공하고, 프로젝트를 관리하며, 협업을 용이하게 합니다.</a:t>
+            </a:r>
+          </a:p>
+          <a:p>
+            <a:pPr marL="457200" marR="0" lvl="1" indent="0" algn="l" defTabSz="914400" rtl="0" eaLnBrk="0" fontAlgn="base" latinLnBrk="0" hangingPunct="0">
+              <a:lnSpc>
+                <a:spcPct val="100000"/>
+              </a:lnSpc>
+              <a:spcBef>
+                <a:spcPct val="0"/>
+              </a:spcBef>
+              <a:spcAft>
+                <a:spcPct val="0"/>
+              </a:spcAft>
+              <a:buClrTx/>
+              <a:buSzTx/>
+              <a:buFontTx/>
+              <a:buChar char="•"/>
+              <a:tabLst/>
+            </a:pPr>
+            <a:r>
+              <a:rPr kumimoji="0" lang="ko-KR" altLang="ko-KR" sz="1400" i="0" u="none" strike="noStrike" cap="none" normalizeH="0" baseline="0" dirty="0">
+                <a:ln>
+                  <a:noFill/>
+                </a:ln>
+                <a:solidFill>
+                  <a:srgbClr val="374151"/>
+                </a:solidFill>
+                <a:effectLst/>
+                <a:latin typeface="굴림" panose="020B0600000101010101" pitchFamily="50" charset="-127"/>
+                <a:ea typeface="굴림" panose="020B0600000101010101" pitchFamily="50" charset="-127"/>
+              </a:rPr>
+              <a:t>여러 개발자들이 한 프로젝트에 동시에 참여할 수 있으며, 이슈 </a:t>
+            </a:r>
+            <a:r>
+              <a:rPr kumimoji="0" lang="ko-KR" altLang="ko-KR" sz="1400" i="0" u="none" strike="noStrike" cap="none" normalizeH="0" baseline="0" dirty="0" err="1">
+                <a:ln>
+                  <a:noFill/>
+                </a:ln>
+                <a:solidFill>
+                  <a:srgbClr val="374151"/>
+                </a:solidFill>
+                <a:effectLst/>
+                <a:latin typeface="굴림" panose="020B0600000101010101" pitchFamily="50" charset="-127"/>
+                <a:ea typeface="굴림" panose="020B0600000101010101" pitchFamily="50" charset="-127"/>
+              </a:rPr>
+              <a:t>트래킹</a:t>
+            </a:r>
+            <a:r>
+              <a:rPr kumimoji="0" lang="ko-KR" altLang="ko-KR" sz="1400" i="0" u="none" strike="noStrike" cap="none" normalizeH="0" baseline="0" dirty="0">
+                <a:ln>
+                  <a:noFill/>
+                </a:ln>
+                <a:solidFill>
+                  <a:srgbClr val="374151"/>
+                </a:solidFill>
+                <a:effectLst/>
+                <a:latin typeface="굴림" panose="020B0600000101010101" pitchFamily="50" charset="-127"/>
+                <a:ea typeface="굴림" panose="020B0600000101010101" pitchFamily="50" charset="-127"/>
+              </a:rPr>
+              <a:t>, 코드 리뷰, 협업 도구 등 다양한 기능을 제공합니다.</a:t>
+            </a:r>
+          </a:p>
+          <a:p>
+            <a:pPr marL="457200" marR="0" lvl="1" indent="0" algn="l" defTabSz="914400" rtl="0" eaLnBrk="0" fontAlgn="base" latinLnBrk="0" hangingPunct="0">
+              <a:lnSpc>
+                <a:spcPct val="100000"/>
+              </a:lnSpc>
+              <a:spcBef>
+                <a:spcPct val="0"/>
+              </a:spcBef>
+              <a:spcAft>
+                <a:spcPct val="0"/>
+              </a:spcAft>
+              <a:buClrTx/>
+              <a:buSzTx/>
+              <a:buFontTx/>
+              <a:buChar char="•"/>
+              <a:tabLst/>
+            </a:pPr>
+            <a:endParaRPr kumimoji="0" lang="ko-KR" altLang="ko-KR" sz="1400" i="0" u="none" strike="noStrike" cap="none" normalizeH="0" baseline="0" dirty="0">
+              <a:ln>
+                <a:noFill/>
+              </a:ln>
+              <a:solidFill>
+                <a:srgbClr val="374151"/>
+              </a:solidFill>
+              <a:effectLst/>
+              <a:latin typeface="굴림" panose="020B0600000101010101" pitchFamily="50" charset="-127"/>
+              <a:ea typeface="굴림" panose="020B0600000101010101" pitchFamily="50" charset="-127"/>
+            </a:endParaRPr>
+          </a:p>
+          <a:p>
+            <a:pPr lvl="0"/>
+            <a:endParaRPr lang="ko-KR" altLang="ko-KR" sz="1400" dirty="0">
+              <a:solidFill>
+                <a:srgbClr val="374151"/>
+              </a:solidFill>
+              <a:latin typeface="굴림" panose="020B0600000101010101" pitchFamily="50" charset="-127"/>
+              <a:ea typeface="굴림" panose="020B0600000101010101" pitchFamily="50" charset="-127"/>
+            </a:endParaRPr>
+          </a:p>
+          <a:p>
+            <a:pPr marL="0" marR="0" lvl="0" indent="0" algn="l" defTabSz="914400" rtl="0" eaLnBrk="0" fontAlgn="base" latinLnBrk="0" hangingPunct="0">
+              <a:lnSpc>
+                <a:spcPct val="100000"/>
+              </a:lnSpc>
+              <a:spcBef>
+                <a:spcPct val="0"/>
+              </a:spcBef>
+              <a:spcAft>
+                <a:spcPct val="0"/>
+              </a:spcAft>
+              <a:buClrTx/>
+              <a:buSzTx/>
+              <a:buFontTx/>
+              <a:buNone/>
+              <a:tabLst/>
+            </a:pPr>
+            <a:endParaRPr kumimoji="0" lang="ko-KR" altLang="ko-KR" sz="1400" i="0" u="none" strike="noStrike" cap="none" normalizeH="0" baseline="0" dirty="0">
+              <a:ln>
+                <a:noFill/>
+              </a:ln>
+              <a:solidFill>
+                <a:schemeClr val="tx1"/>
+              </a:solidFill>
+              <a:effectLst/>
+              <a:latin typeface="굴림" panose="020B0600000101010101" pitchFamily="50" charset="-127"/>
+              <a:ea typeface="굴림" panose="020B0600000101010101" pitchFamily="50" charset="-127"/>
+            </a:endParaRPr>
+          </a:p>
+        </p:txBody>
+      </p:sp>
+    </p:spTree>
+    <p:extLst>
+      <p:ext uri="{BB962C8B-B14F-4D97-AF65-F5344CB8AC3E}">
+        <p14:creationId xmlns:p14="http://schemas.microsoft.com/office/powerpoint/2010/main" val="1010983020"/>
+      </p:ext>
+    </p:extLst>
+  </p:cSld>
+  <p:clrMapOvr>
+    <a:masterClrMapping/>
+  </p:clrMapOvr>
+  <mc:AlternateContent xmlns:mc="http://schemas.openxmlformats.org/markup-compatibility/2006" xmlns:p14="http://schemas.microsoft.com/office/powerpoint/2010/main">
+    <mc:Choice Requires="p14">
+      <p:transition p14:dur="10"/>
+    </mc:Choice>
+    <mc:Fallback xmlns="">
+      <p:transition/>
+    </mc:Fallback>
+  </mc:AlternateContent>
+</p:sld>
+</file>
+
+<file path=ppt/slides/slide4.xml><?xml version="1.0" encoding="utf-8"?>
 <p:sld xmlns:a="http://schemas.openxmlformats.org/drawingml/2006/main" xmlns:r="http://schemas.openxmlformats.org/officeDocument/2006/relationships" xmlns:p="http://schemas.openxmlformats.org/presentationml/2006/main">
   <p:cSld>
     <p:spTree>
@@ -6327,7 +7961,7 @@
 </p:sld>
 </file>
 
-<file path=ppt/slides/slide4.xml><?xml version="1.0" encoding="utf-8"?>
+<file path=ppt/slides/slide5.xml><?xml version="1.0" encoding="utf-8"?>
 <p:sld xmlns:a="http://schemas.openxmlformats.org/drawingml/2006/main" xmlns:r="http://schemas.openxmlformats.org/officeDocument/2006/relationships" xmlns:p="http://schemas.openxmlformats.org/presentationml/2006/main">
   <p:cSld>
     <p:spTree>
@@ -6467,7 +8101,7 @@
 </p:sld>
 </file>
 
-<file path=ppt/slides/slide5.xml><?xml version="1.0" encoding="utf-8"?>
+<file path=ppt/slides/slide6.xml><?xml version="1.0" encoding="utf-8"?>
 <p:sld xmlns:a="http://schemas.openxmlformats.org/drawingml/2006/main" xmlns:r="http://schemas.openxmlformats.org/officeDocument/2006/relationships" xmlns:p="http://schemas.openxmlformats.org/presentationml/2006/main">
   <p:cSld>
     <p:spTree>
@@ -6674,7 +8308,7 @@
 </p:sld>
 </file>
 
-<file path=ppt/slides/slide6.xml><?xml version="1.0" encoding="utf-8"?>
+<file path=ppt/slides/slide7.xml><?xml version="1.0" encoding="utf-8"?>
 <p:sld xmlns:a="http://schemas.openxmlformats.org/drawingml/2006/main" xmlns:r="http://schemas.openxmlformats.org/officeDocument/2006/relationships" xmlns:p="http://schemas.openxmlformats.org/presentationml/2006/main">
   <p:cSld>
     <p:spTree>
@@ -6892,7 +8526,7 @@
 </p:sld>
 </file>
 
-<file path=ppt/slides/slide7.xml><?xml version="1.0" encoding="utf-8"?>
+<file path=ppt/slides/slide8.xml><?xml version="1.0" encoding="utf-8"?>
 <p:sld xmlns:a="http://schemas.openxmlformats.org/drawingml/2006/main" xmlns:r="http://schemas.openxmlformats.org/officeDocument/2006/relationships" xmlns:p="http://schemas.openxmlformats.org/presentationml/2006/main">
   <p:cSld>
     <p:spTree>
@@ -7149,7 +8783,7 @@
 </p:sld>
 </file>
 
-<file path=ppt/slides/slide8.xml><?xml version="1.0" encoding="utf-8"?>
+<file path=ppt/slides/slide9.xml><?xml version="1.0" encoding="utf-8"?>
 <p:sld xmlns:a="http://schemas.openxmlformats.org/drawingml/2006/main" xmlns:r="http://schemas.openxmlformats.org/officeDocument/2006/relationships" xmlns:p="http://schemas.openxmlformats.org/presentationml/2006/main">
   <p:cSld>
     <p:spTree>
@@ -7320,268 +8954,6 @@
     <p:extLst>
       <p:ext uri="{BB962C8B-B14F-4D97-AF65-F5344CB8AC3E}">
         <p14:creationId xmlns:p14="http://schemas.microsoft.com/office/powerpoint/2010/main" val="1620836849"/>
-      </p:ext>
-    </p:extLst>
-  </p:cSld>
-  <p:clrMapOvr>
-    <a:masterClrMapping/>
-  </p:clrMapOvr>
-  <mc:AlternateContent xmlns:mc="http://schemas.openxmlformats.org/markup-compatibility/2006" xmlns:p14="http://schemas.microsoft.com/office/powerpoint/2010/main">
-    <mc:Choice Requires="p14">
-      <p:transition p14:dur="10"/>
-    </mc:Choice>
-    <mc:Fallback xmlns="">
-      <p:transition/>
-    </mc:Fallback>
-  </mc:AlternateContent>
-</p:sld>
-</file>
-
-<file path=ppt/slides/slide9.xml><?xml version="1.0" encoding="utf-8"?>
-<p:sld xmlns:a="http://schemas.openxmlformats.org/drawingml/2006/main" xmlns:r="http://schemas.openxmlformats.org/officeDocument/2006/relationships" xmlns:p="http://schemas.openxmlformats.org/presentationml/2006/main">
-  <p:cSld>
-    <p:spTree>
-      <p:nvGrpSpPr>
-        <p:cNvPr id="1" name=""/>
-        <p:cNvGrpSpPr/>
-        <p:nvPr/>
-      </p:nvGrpSpPr>
-      <p:grpSpPr>
-        <a:xfrm>
-          <a:off x="0" y="0"/>
-          <a:ext cx="0" cy="0"/>
-          <a:chOff x="0" y="0"/>
-          <a:chExt cx="0" cy="0"/>
-        </a:xfrm>
-      </p:grpSpPr>
-      <p:sp>
-        <p:nvSpPr>
-          <p:cNvPr id="3" name="제목 2"/>
-          <p:cNvSpPr>
-            <a:spLocks noGrp="1"/>
-          </p:cNvSpPr>
-          <p:nvPr>
-            <p:ph type="title"/>
-          </p:nvPr>
-        </p:nvSpPr>
-        <p:spPr/>
-        <p:txBody>
-          <a:bodyPr rtlCol="0"/>
-          <a:lstStyle/>
-          <a:p>
-            <a:pPr rtl="0"/>
-            <a:r>
-              <a:rPr lang="en-US" altLang="ko-KR" dirty="0" err="1">
-                <a:cs typeface="Segoe UI Light" panose="020B0502040204020203" pitchFamily="34" charset="0"/>
-              </a:rPr>
-              <a:t>TortoiseGit</a:t>
-            </a:r>
-            <a:r>
-              <a:rPr lang="en-US" altLang="ko-KR" dirty="0">
-                <a:cs typeface="Segoe UI Light" panose="020B0502040204020203" pitchFamily="34" charset="0"/>
-              </a:rPr>
-              <a:t> </a:t>
-            </a:r>
-            <a:r>
-              <a:rPr lang="ko-KR" altLang="en-US" dirty="0">
-                <a:cs typeface="Segoe UI Light" panose="020B0502040204020203" pitchFamily="34" charset="0"/>
-              </a:rPr>
-              <a:t>사용하기</a:t>
-            </a:r>
-            <a:r>
-              <a:rPr lang="en-US" altLang="ko-KR" dirty="0">
-                <a:cs typeface="Segoe UI Light" panose="020B0502040204020203" pitchFamily="34" charset="0"/>
-              </a:rPr>
-              <a:t>(4)</a:t>
-            </a:r>
-            <a:endParaRPr lang="ko-KR" altLang="en-US" dirty="0">
-              <a:cs typeface="Segoe UI Light" panose="020B0502040204020203" pitchFamily="34" charset="0"/>
-            </a:endParaRPr>
-          </a:p>
-        </p:txBody>
-      </p:sp>
-      <p:sp>
-        <p:nvSpPr>
-          <p:cNvPr id="10" name="TextBox 9">
-            <a:extLst>
-              <a:ext uri="{FF2B5EF4-FFF2-40B4-BE49-F238E27FC236}">
-                <a16:creationId xmlns:a16="http://schemas.microsoft.com/office/drawing/2014/main" id="{8A861CF4-4ECD-9B07-13F6-668071DB1278}"/>
-              </a:ext>
-            </a:extLst>
-          </p:cNvPr>
-          <p:cNvSpPr txBox="1"/>
-          <p:nvPr/>
-        </p:nvSpPr>
-        <p:spPr>
-          <a:xfrm>
-            <a:off x="521206" y="1295713"/>
-            <a:ext cx="8924007" cy="369332"/>
-          </a:xfrm>
-          <a:prstGeom prst="rect">
-            <a:avLst/>
-          </a:prstGeom>
-          <a:noFill/>
-        </p:spPr>
-        <p:txBody>
-          <a:bodyPr wrap="square">
-            <a:spAutoFit/>
-          </a:bodyPr>
-          <a:lstStyle/>
-          <a:p>
-            <a:r>
-              <a:rPr lang="en-US" altLang="ko-KR" dirty="0"/>
-              <a:t>4. Git pull(</a:t>
-            </a:r>
-            <a:r>
-              <a:rPr lang="ko-KR" altLang="en-US" dirty="0"/>
-              <a:t>원격 저장소 가져오기</a:t>
-            </a:r>
-            <a:r>
-              <a:rPr lang="en-US" altLang="ko-KR" dirty="0"/>
-              <a:t>)</a:t>
-            </a:r>
-            <a:endParaRPr lang="ko-KR" altLang="en-US" dirty="0"/>
-          </a:p>
-        </p:txBody>
-      </p:sp>
-      <p:pic>
-        <p:nvPicPr>
-          <p:cNvPr id="4" name="그림 3">
-            <a:extLst>
-              <a:ext uri="{FF2B5EF4-FFF2-40B4-BE49-F238E27FC236}">
-                <a16:creationId xmlns:a16="http://schemas.microsoft.com/office/drawing/2014/main" id="{3892E7DC-2FA1-1865-E7B8-34FADC28C69D}"/>
-              </a:ext>
-            </a:extLst>
-          </p:cNvPr>
-          <p:cNvPicPr>
-            <a:picLocks noChangeAspect="1"/>
-          </p:cNvPicPr>
-          <p:nvPr/>
-        </p:nvPicPr>
-        <p:blipFill>
-          <a:blip r:embed="rId3"/>
-          <a:stretch>
-            <a:fillRect/>
-          </a:stretch>
-        </p:blipFill>
-        <p:spPr>
-          <a:xfrm>
-            <a:off x="751815" y="1665045"/>
-            <a:ext cx="4863677" cy="4125543"/>
-          </a:xfrm>
-          <a:prstGeom prst="rect">
-            <a:avLst/>
-          </a:prstGeom>
-        </p:spPr>
-      </p:pic>
-      <p:sp>
-        <p:nvSpPr>
-          <p:cNvPr id="6" name="TextBox 5">
-            <a:extLst>
-              <a:ext uri="{FF2B5EF4-FFF2-40B4-BE49-F238E27FC236}">
-                <a16:creationId xmlns:a16="http://schemas.microsoft.com/office/drawing/2014/main" id="{2188AD39-7214-9A1E-4C45-A3A29D1DF121}"/>
-              </a:ext>
-            </a:extLst>
-          </p:cNvPr>
-          <p:cNvSpPr txBox="1"/>
-          <p:nvPr/>
-        </p:nvSpPr>
-        <p:spPr>
-          <a:xfrm>
-            <a:off x="751815" y="5790588"/>
-            <a:ext cx="1233030" cy="369332"/>
-          </a:xfrm>
-          <a:prstGeom prst="rect">
-            <a:avLst/>
-          </a:prstGeom>
-          <a:noFill/>
-        </p:spPr>
-        <p:txBody>
-          <a:bodyPr wrap="none" rtlCol="0">
-            <a:spAutoFit/>
-          </a:bodyPr>
-          <a:lstStyle/>
-          <a:p>
-            <a:r>
-              <a:rPr lang="en-US" altLang="ko-KR" dirty="0"/>
-              <a:t>Local</a:t>
-            </a:r>
-            <a:r>
-              <a:rPr lang="ko-KR" altLang="en-US" dirty="0"/>
-              <a:t> 상태</a:t>
-            </a:r>
-          </a:p>
-        </p:txBody>
-      </p:sp>
-      <p:pic>
-        <p:nvPicPr>
-          <p:cNvPr id="9" name="그림 8">
-            <a:extLst>
-              <a:ext uri="{FF2B5EF4-FFF2-40B4-BE49-F238E27FC236}">
-                <a16:creationId xmlns:a16="http://schemas.microsoft.com/office/drawing/2014/main" id="{9BB7ECC1-DD3E-0DF7-4C58-D603952F91BD}"/>
-              </a:ext>
-            </a:extLst>
-          </p:cNvPr>
-          <p:cNvPicPr>
-            <a:picLocks noChangeAspect="1"/>
-          </p:cNvPicPr>
-          <p:nvPr/>
-        </p:nvPicPr>
-        <p:blipFill>
-          <a:blip r:embed="rId4"/>
-          <a:stretch>
-            <a:fillRect/>
-          </a:stretch>
-        </p:blipFill>
-        <p:spPr>
-          <a:xfrm>
-            <a:off x="5846101" y="1665045"/>
-            <a:ext cx="5901488" cy="1767875"/>
-          </a:xfrm>
-          <a:prstGeom prst="rect">
-            <a:avLst/>
-          </a:prstGeom>
-        </p:spPr>
-      </p:pic>
-      <p:sp>
-        <p:nvSpPr>
-          <p:cNvPr id="11" name="TextBox 10">
-            <a:extLst>
-              <a:ext uri="{FF2B5EF4-FFF2-40B4-BE49-F238E27FC236}">
-                <a16:creationId xmlns:a16="http://schemas.microsoft.com/office/drawing/2014/main" id="{B364DCB1-3BFE-B6F9-CE10-A370BEBE1D13}"/>
-              </a:ext>
-            </a:extLst>
-          </p:cNvPr>
-          <p:cNvSpPr txBox="1"/>
-          <p:nvPr/>
-        </p:nvSpPr>
-        <p:spPr>
-          <a:xfrm>
-            <a:off x="5846101" y="3487548"/>
-            <a:ext cx="1925527" cy="369332"/>
-          </a:xfrm>
-          <a:prstGeom prst="rect">
-            <a:avLst/>
-          </a:prstGeom>
-          <a:noFill/>
-        </p:spPr>
-        <p:txBody>
-          <a:bodyPr wrap="none" rtlCol="0">
-            <a:spAutoFit/>
-          </a:bodyPr>
-          <a:lstStyle/>
-          <a:p>
-            <a:r>
-              <a:rPr lang="ko-KR" altLang="en-US" dirty="0"/>
-              <a:t>원격 저장소 상태</a:t>
-            </a:r>
-          </a:p>
-        </p:txBody>
-      </p:sp>
-    </p:spTree>
-    <p:extLst>
-      <p:ext uri="{BB962C8B-B14F-4D97-AF65-F5344CB8AC3E}">
-        <p14:creationId xmlns:p14="http://schemas.microsoft.com/office/powerpoint/2010/main" val="723111610"/>
       </p:ext>
     </p:extLst>
   </p:cSld>

--- a/Github 시작.pptx
+++ b/Github 시작.pptx
@@ -4931,8 +4931,8 @@
         </p:nvSpPr>
         <p:spPr bwMode="auto">
           <a:xfrm>
-            <a:off x="651835" y="1348098"/>
-            <a:ext cx="11372070" cy="4709496"/>
+            <a:off x="651835" y="1455819"/>
+            <a:ext cx="11372070" cy="4494053"/>
           </a:xfrm>
           <a:prstGeom prst="rect">
             <a:avLst/>
@@ -5117,8 +5117,9 @@
                   <a:srgbClr val="374151"/>
                 </a:solidFill>
                 <a:effectLst/>
-                <a:latin typeface="굴림" panose="020B0600000101010101" pitchFamily="50" charset="-127"/>
+                <a:latin typeface="+mn-lt"/>
                 <a:ea typeface="굴림" panose="020B0600000101010101" pitchFamily="50" charset="-127"/>
+                <a:cs typeface="Segoe UI" panose="020B0502040204020203" pitchFamily="34" charset="0"/>
               </a:rPr>
               <a:t>간단히 말하면, </a:t>
             </a:r>
@@ -5131,8 +5132,9 @@
                   <a:srgbClr val="374151"/>
                 </a:solidFill>
                 <a:effectLst/>
-                <a:latin typeface="굴림" panose="020B0600000101010101" pitchFamily="50" charset="-127"/>
+                <a:latin typeface="+mn-lt"/>
                 <a:ea typeface="굴림" panose="020B0600000101010101" pitchFamily="50" charset="-127"/>
+                <a:cs typeface="Segoe UI" panose="020B0502040204020203" pitchFamily="34" charset="0"/>
               </a:rPr>
               <a:t>Git은</a:t>
             </a:r>
@@ -5145,8 +5147,9 @@
                   <a:srgbClr val="374151"/>
                 </a:solidFill>
                 <a:effectLst/>
-                <a:latin typeface="굴림" panose="020B0600000101010101" pitchFamily="50" charset="-127"/>
+                <a:latin typeface="+mn-lt"/>
                 <a:ea typeface="굴림" panose="020B0600000101010101" pitchFamily="50" charset="-127"/>
+                <a:cs typeface="Segoe UI" panose="020B0502040204020203" pitchFamily="34" charset="0"/>
               </a:rPr>
               <a:t> 버전 관리 시스템으로서 로컬 환경에서 작동하며 코드의 변경 이력을 추적합니다. </a:t>
             </a:r>
@@ -5158,8 +5161,9 @@
                 <a:srgbClr val="374151"/>
               </a:solidFill>
               <a:effectLst/>
-              <a:latin typeface="굴림" panose="020B0600000101010101" pitchFamily="50" charset="-127"/>
+              <a:latin typeface="+mn-lt"/>
               <a:ea typeface="굴림" panose="020B0600000101010101" pitchFamily="50" charset="-127"/>
+              <a:cs typeface="Segoe UI" panose="020B0502040204020203" pitchFamily="34" charset="0"/>
             </a:endParaRPr>
           </a:p>
           <a:p>
@@ -5173,8 +5177,9 @@
                   <a:srgbClr val="374151"/>
                 </a:solidFill>
                 <a:effectLst/>
-                <a:latin typeface="굴림" panose="020B0600000101010101" pitchFamily="50" charset="-127"/>
+                <a:latin typeface="+mn-lt"/>
                 <a:ea typeface="굴림" panose="020B0600000101010101" pitchFamily="50" charset="-127"/>
+                <a:cs typeface="Segoe UI" panose="020B0502040204020203" pitchFamily="34" charset="0"/>
               </a:rPr>
               <a:t>반면에 </a:t>
             </a:r>
@@ -5187,8 +5192,9 @@
                   <a:srgbClr val="374151"/>
                 </a:solidFill>
                 <a:effectLst/>
-                <a:latin typeface="굴림" panose="020B0600000101010101" pitchFamily="50" charset="-127"/>
+                <a:latin typeface="+mn-lt"/>
                 <a:ea typeface="굴림" panose="020B0600000101010101" pitchFamily="50" charset="-127"/>
+                <a:cs typeface="Segoe UI" panose="020B0502040204020203" pitchFamily="34" charset="0"/>
               </a:rPr>
               <a:t>GitHub는</a:t>
             </a:r>
@@ -5201,8 +5207,9 @@
                   <a:srgbClr val="374151"/>
                 </a:solidFill>
                 <a:effectLst/>
-                <a:latin typeface="굴림" panose="020B0600000101010101" pitchFamily="50" charset="-127"/>
+                <a:latin typeface="+mn-lt"/>
                 <a:ea typeface="굴림" panose="020B0600000101010101" pitchFamily="50" charset="-127"/>
+                <a:cs typeface="Segoe UI" panose="020B0502040204020203" pitchFamily="34" charset="0"/>
               </a:rPr>
               <a:t> </a:t>
             </a:r>
@@ -5215,8 +5222,9 @@
                   <a:srgbClr val="374151"/>
                 </a:solidFill>
                 <a:effectLst/>
-                <a:latin typeface="굴림" panose="020B0600000101010101" pitchFamily="50" charset="-127"/>
+                <a:latin typeface="+mn-lt"/>
                 <a:ea typeface="굴림" panose="020B0600000101010101" pitchFamily="50" charset="-127"/>
+                <a:cs typeface="Segoe UI" panose="020B0502040204020203" pitchFamily="34" charset="0"/>
               </a:rPr>
               <a:t>Git을</a:t>
             </a:r>
@@ -5229,8 +5237,9 @@
                   <a:srgbClr val="374151"/>
                 </a:solidFill>
                 <a:effectLst/>
-                <a:latin typeface="굴림" panose="020B0600000101010101" pitchFamily="50" charset="-127"/>
+                <a:latin typeface="+mn-lt"/>
                 <a:ea typeface="굴림" panose="020B0600000101010101" pitchFamily="50" charset="-127"/>
+                <a:cs typeface="Segoe UI" panose="020B0502040204020203" pitchFamily="34" charset="0"/>
               </a:rPr>
               <a:t> 기반으로 한 웹 호스팅 서비스로서, 원격 저장소를 통해 프로젝트를 협업하고 관리할 수 있는 다양한 기능을 제공합니다.</a:t>
             </a:r>
@@ -5242,8 +5251,9 @@
                 <a:srgbClr val="374151"/>
               </a:solidFill>
               <a:effectLst/>
-              <a:latin typeface="굴림" panose="020B0600000101010101" pitchFamily="50" charset="-127"/>
+              <a:latin typeface="+mn-lt"/>
               <a:ea typeface="굴림" panose="020B0600000101010101" pitchFamily="50" charset="-127"/>
+              <a:cs typeface="Segoe UI" panose="020B0502040204020203" pitchFamily="34" charset="0"/>
             </a:endParaRPr>
           </a:p>
           <a:p>
@@ -5252,8 +5262,9 @@
               <a:solidFill>
                 <a:srgbClr val="374151"/>
               </a:solidFill>
-              <a:latin typeface="굴림" panose="020B0600000101010101" pitchFamily="50" charset="-127"/>
+              <a:latin typeface="+mn-lt"/>
               <a:ea typeface="굴림" panose="020B0600000101010101" pitchFamily="50" charset="-127"/>
+              <a:cs typeface="Segoe UI" panose="020B0502040204020203" pitchFamily="34" charset="0"/>
             </a:endParaRPr>
           </a:p>
           <a:p>
@@ -5262,8 +5273,9 @@
               <a:solidFill>
                 <a:srgbClr val="374151"/>
               </a:solidFill>
-              <a:latin typeface="굴림" panose="020B0600000101010101" pitchFamily="50" charset="-127"/>
+              <a:latin typeface="+mn-lt"/>
               <a:ea typeface="굴림" panose="020B0600000101010101" pitchFamily="50" charset="-127"/>
+              <a:cs typeface="Segoe UI" panose="020B0502040204020203" pitchFamily="34" charset="0"/>
             </a:endParaRPr>
           </a:p>
           <a:p>
@@ -5272,15 +5284,17 @@
               <a:solidFill>
                 <a:srgbClr val="374151"/>
               </a:solidFill>
-              <a:latin typeface="굴림" panose="020B0600000101010101" pitchFamily="50" charset="-127"/>
+              <a:latin typeface="+mn-lt"/>
               <a:ea typeface="굴림" panose="020B0600000101010101" pitchFamily="50" charset="-127"/>
+              <a:cs typeface="Segoe UI" panose="020B0502040204020203" pitchFamily="34" charset="0"/>
             </a:endParaRPr>
           </a:p>
           <a:p>
             <a:pPr lvl="0"/>
             <a:endParaRPr lang="ko-KR" altLang="ko-KR" sz="1400" dirty="0">
-              <a:latin typeface="굴림" panose="020B0600000101010101" pitchFamily="50" charset="-127"/>
+              <a:latin typeface="+mn-lt"/>
               <a:ea typeface="굴림" panose="020B0600000101010101" pitchFamily="50" charset="-127"/>
+              <a:cs typeface="Segoe UI" panose="020B0502040204020203" pitchFamily="34" charset="0"/>
             </a:endParaRPr>
           </a:p>
           <a:p>
@@ -5293,8 +5307,9 @@
                 <a:solidFill>
                   <a:srgbClr val="374151"/>
                 </a:solidFill>
-                <a:latin typeface="굴림" panose="020B0600000101010101" pitchFamily="50" charset="-127"/>
+                <a:latin typeface="+mn-lt"/>
                 <a:ea typeface="굴림" panose="020B0600000101010101" pitchFamily="50" charset="-127"/>
+                <a:cs typeface="Segoe UI" panose="020B0502040204020203" pitchFamily="34" charset="0"/>
               </a:rPr>
               <a:t>Git</a:t>
             </a:r>
@@ -5303,8 +5318,9 @@
                 <a:solidFill>
                   <a:srgbClr val="374151"/>
                 </a:solidFill>
-                <a:latin typeface="굴림" panose="020B0600000101010101" pitchFamily="50" charset="-127"/>
+                <a:latin typeface="+mn-lt"/>
                 <a:ea typeface="굴림" panose="020B0600000101010101" pitchFamily="50" charset="-127"/>
+                <a:cs typeface="Segoe UI" panose="020B0502040204020203" pitchFamily="34" charset="0"/>
               </a:rPr>
               <a:t>:</a:t>
             </a:r>
@@ -5312,8 +5328,9 @@
               <a:solidFill>
                 <a:srgbClr val="374151"/>
               </a:solidFill>
-              <a:latin typeface="굴림" panose="020B0600000101010101" pitchFamily="50" charset="-127"/>
+              <a:latin typeface="+mn-lt"/>
               <a:ea typeface="굴림" panose="020B0600000101010101" pitchFamily="50" charset="-127"/>
+              <a:cs typeface="Segoe UI" panose="020B0502040204020203" pitchFamily="34" charset="0"/>
             </a:endParaRPr>
           </a:p>
           <a:p>
@@ -5342,8 +5359,9 @@
                   <a:srgbClr val="374151"/>
                 </a:solidFill>
                 <a:effectLst/>
-                <a:latin typeface="굴림" panose="020B0600000101010101" pitchFamily="50" charset="-127"/>
+                <a:latin typeface="+mn-lt"/>
                 <a:ea typeface="굴림" panose="020B0600000101010101" pitchFamily="50" charset="-127"/>
+                <a:cs typeface="Segoe UI" panose="020B0502040204020203" pitchFamily="34" charset="0"/>
               </a:rPr>
               <a:t>Git은</a:t>
             </a:r>
@@ -5356,8 +5374,9 @@
                   <a:srgbClr val="374151"/>
                 </a:solidFill>
                 <a:effectLst/>
-                <a:latin typeface="굴림" panose="020B0600000101010101" pitchFamily="50" charset="-127"/>
+                <a:latin typeface="+mn-lt"/>
                 <a:ea typeface="굴림" panose="020B0600000101010101" pitchFamily="50" charset="-127"/>
+                <a:cs typeface="Segoe UI" panose="020B0502040204020203" pitchFamily="34" charset="0"/>
               </a:rPr>
               <a:t> 분산 버전 관리 시스템(</a:t>
             </a:r>
@@ -5370,8 +5389,9 @@
                   <a:srgbClr val="374151"/>
                 </a:solidFill>
                 <a:effectLst/>
-                <a:latin typeface="굴림" panose="020B0600000101010101" pitchFamily="50" charset="-127"/>
+                <a:latin typeface="+mn-lt"/>
                 <a:ea typeface="굴림" panose="020B0600000101010101" pitchFamily="50" charset="-127"/>
+                <a:cs typeface="Segoe UI" panose="020B0502040204020203" pitchFamily="34" charset="0"/>
               </a:rPr>
               <a:t>Distributed</a:t>
             </a:r>
@@ -5384,8 +5404,9 @@
                   <a:srgbClr val="374151"/>
                 </a:solidFill>
                 <a:effectLst/>
-                <a:latin typeface="굴림" panose="020B0600000101010101" pitchFamily="50" charset="-127"/>
+                <a:latin typeface="+mn-lt"/>
                 <a:ea typeface="굴림" panose="020B0600000101010101" pitchFamily="50" charset="-127"/>
+                <a:cs typeface="Segoe UI" panose="020B0502040204020203" pitchFamily="34" charset="0"/>
               </a:rPr>
               <a:t> </a:t>
             </a:r>
@@ -5398,8 +5419,9 @@
                   <a:srgbClr val="374151"/>
                 </a:solidFill>
                 <a:effectLst/>
-                <a:latin typeface="굴림" panose="020B0600000101010101" pitchFamily="50" charset="-127"/>
+                <a:latin typeface="+mn-lt"/>
                 <a:ea typeface="굴림" panose="020B0600000101010101" pitchFamily="50" charset="-127"/>
+                <a:cs typeface="Segoe UI" panose="020B0502040204020203" pitchFamily="34" charset="0"/>
               </a:rPr>
               <a:t>Version</a:t>
             </a:r>
@@ -5412,8 +5434,9 @@
                   <a:srgbClr val="374151"/>
                 </a:solidFill>
                 <a:effectLst/>
-                <a:latin typeface="굴림" panose="020B0600000101010101" pitchFamily="50" charset="-127"/>
+                <a:latin typeface="+mn-lt"/>
                 <a:ea typeface="굴림" panose="020B0600000101010101" pitchFamily="50" charset="-127"/>
+                <a:cs typeface="Segoe UI" panose="020B0502040204020203" pitchFamily="34" charset="0"/>
               </a:rPr>
               <a:t> </a:t>
             </a:r>
@@ -5426,8 +5449,9 @@
                   <a:srgbClr val="374151"/>
                 </a:solidFill>
                 <a:effectLst/>
-                <a:latin typeface="굴림" panose="020B0600000101010101" pitchFamily="50" charset="-127"/>
+                <a:latin typeface="+mn-lt"/>
                 <a:ea typeface="굴림" panose="020B0600000101010101" pitchFamily="50" charset="-127"/>
+                <a:cs typeface="Segoe UI" panose="020B0502040204020203" pitchFamily="34" charset="0"/>
               </a:rPr>
               <a:t>Control</a:t>
             </a:r>
@@ -5440,8 +5464,9 @@
                   <a:srgbClr val="374151"/>
                 </a:solidFill>
                 <a:effectLst/>
-                <a:latin typeface="굴림" panose="020B0600000101010101" pitchFamily="50" charset="-127"/>
+                <a:latin typeface="+mn-lt"/>
                 <a:ea typeface="굴림" panose="020B0600000101010101" pitchFamily="50" charset="-127"/>
+                <a:cs typeface="Segoe UI" panose="020B0502040204020203" pitchFamily="34" charset="0"/>
               </a:rPr>
               <a:t> System, DVCS)입니다.</a:t>
             </a:r>
@@ -5472,8 +5497,9 @@
                   <a:srgbClr val="374151"/>
                 </a:solidFill>
                 <a:effectLst/>
-                <a:latin typeface="굴림" panose="020B0600000101010101" pitchFamily="50" charset="-127"/>
+                <a:latin typeface="+mn-lt"/>
                 <a:ea typeface="굴림" panose="020B0600000101010101" pitchFamily="50" charset="-127"/>
+                <a:cs typeface="Segoe UI" panose="020B0502040204020203" pitchFamily="34" charset="0"/>
               </a:rPr>
               <a:t>코드의 버전을 관리하고 변경 이력을 추적하며, 여러 개발자 간의 협업을 가능하게 합니다.</a:t>
             </a:r>
@@ -5504,8 +5530,9 @@
                   <a:srgbClr val="374151"/>
                 </a:solidFill>
                 <a:effectLst/>
-                <a:latin typeface="굴림" panose="020B0600000101010101" pitchFamily="50" charset="-127"/>
+                <a:latin typeface="+mn-lt"/>
                 <a:ea typeface="굴림" panose="020B0600000101010101" pitchFamily="50" charset="-127"/>
+                <a:cs typeface="Segoe UI" panose="020B0502040204020203" pitchFamily="34" charset="0"/>
               </a:rPr>
               <a:t>로컬 환경에서 동작하며, 소스 코드 변경 내용을 추적하고 변경 내용을 저장하고 복구할 수 있습니다.</a:t>
             </a:r>
@@ -5517,8 +5544,9 @@
                 <a:srgbClr val="374151"/>
               </a:solidFill>
               <a:effectLst/>
-              <a:latin typeface="굴림" panose="020B0600000101010101" pitchFamily="50" charset="-127"/>
+              <a:latin typeface="+mn-lt"/>
               <a:ea typeface="굴림" panose="020B0600000101010101" pitchFamily="50" charset="-127"/>
+              <a:cs typeface="Segoe UI" panose="020B0502040204020203" pitchFamily="34" charset="0"/>
             </a:endParaRPr>
           </a:p>
           <a:p>
@@ -5542,8 +5570,9 @@
               <a:solidFill>
                 <a:srgbClr val="374151"/>
               </a:solidFill>
-              <a:latin typeface="굴림" panose="020B0600000101010101" pitchFamily="50" charset="-127"/>
+              <a:latin typeface="+mn-lt"/>
               <a:ea typeface="굴림" panose="020B0600000101010101" pitchFamily="50" charset="-127"/>
+              <a:cs typeface="Segoe UI" panose="020B0502040204020203" pitchFamily="34" charset="0"/>
             </a:endParaRPr>
           </a:p>
           <a:p>
@@ -5571,8 +5600,9 @@
                 <a:srgbClr val="374151"/>
               </a:solidFill>
               <a:effectLst/>
-              <a:latin typeface="굴림" panose="020B0600000101010101" pitchFamily="50" charset="-127"/>
+              <a:latin typeface="+mn-lt"/>
               <a:ea typeface="굴림" panose="020B0600000101010101" pitchFamily="50" charset="-127"/>
+              <a:cs typeface="Segoe UI" panose="020B0502040204020203" pitchFamily="34" charset="0"/>
             </a:endParaRPr>
           </a:p>
           <a:p>
@@ -5601,8 +5631,9 @@
                   <a:srgbClr val="374151"/>
                 </a:solidFill>
                 <a:effectLst/>
-                <a:latin typeface="굴림" panose="020B0600000101010101" pitchFamily="50" charset="-127"/>
+                <a:latin typeface="+mn-lt"/>
                 <a:ea typeface="굴림" panose="020B0600000101010101" pitchFamily="50" charset="-127"/>
+                <a:cs typeface="Segoe UI" panose="020B0502040204020203" pitchFamily="34" charset="0"/>
               </a:rPr>
               <a:t>GitHub:</a:t>
             </a:r>
@@ -5633,8 +5664,9 @@
                   <a:srgbClr val="374151"/>
                 </a:solidFill>
                 <a:effectLst/>
-                <a:latin typeface="굴림" panose="020B0600000101010101" pitchFamily="50" charset="-127"/>
+                <a:latin typeface="+mn-lt"/>
                 <a:ea typeface="굴림" panose="020B0600000101010101" pitchFamily="50" charset="-127"/>
+                <a:cs typeface="Segoe UI" panose="020B0502040204020203" pitchFamily="34" charset="0"/>
               </a:rPr>
               <a:t>GitHub는</a:t>
             </a:r>
@@ -5647,8 +5679,9 @@
                   <a:srgbClr val="374151"/>
                 </a:solidFill>
                 <a:effectLst/>
-                <a:latin typeface="굴림" panose="020B0600000101010101" pitchFamily="50" charset="-127"/>
+                <a:latin typeface="+mn-lt"/>
                 <a:ea typeface="굴림" panose="020B0600000101010101" pitchFamily="50" charset="-127"/>
+                <a:cs typeface="Segoe UI" panose="020B0502040204020203" pitchFamily="34" charset="0"/>
               </a:rPr>
               <a:t> </a:t>
             </a:r>
@@ -5661,8 +5694,9 @@
                   <a:srgbClr val="374151"/>
                 </a:solidFill>
                 <a:effectLst/>
-                <a:latin typeface="굴림" panose="020B0600000101010101" pitchFamily="50" charset="-127"/>
+                <a:latin typeface="+mn-lt"/>
                 <a:ea typeface="굴림" panose="020B0600000101010101" pitchFamily="50" charset="-127"/>
+                <a:cs typeface="Segoe UI" panose="020B0502040204020203" pitchFamily="34" charset="0"/>
               </a:rPr>
               <a:t>Git을</a:t>
             </a:r>
@@ -5675,8 +5709,9 @@
                   <a:srgbClr val="374151"/>
                 </a:solidFill>
                 <a:effectLst/>
-                <a:latin typeface="굴림" panose="020B0600000101010101" pitchFamily="50" charset="-127"/>
+                <a:latin typeface="+mn-lt"/>
                 <a:ea typeface="굴림" panose="020B0600000101010101" pitchFamily="50" charset="-127"/>
+                <a:cs typeface="Segoe UI" panose="020B0502040204020203" pitchFamily="34" charset="0"/>
               </a:rPr>
               <a:t> 기반으로 한 웹 기반의 호스팅 서비스입니다.</a:t>
             </a:r>
@@ -5707,8 +5742,9 @@
                   <a:srgbClr val="374151"/>
                 </a:solidFill>
                 <a:effectLst/>
-                <a:latin typeface="굴림" panose="020B0600000101010101" pitchFamily="50" charset="-127"/>
+                <a:latin typeface="+mn-lt"/>
                 <a:ea typeface="굴림" panose="020B0600000101010101" pitchFamily="50" charset="-127"/>
+                <a:cs typeface="Segoe UI" panose="020B0502040204020203" pitchFamily="34" charset="0"/>
               </a:rPr>
               <a:t>원격 저장소를 제공하고, 프로젝트를 관리하며, 협업을 용이하게 합니다.</a:t>
             </a:r>
@@ -5739,8 +5775,9 @@
                   <a:srgbClr val="374151"/>
                 </a:solidFill>
                 <a:effectLst/>
-                <a:latin typeface="굴림" panose="020B0600000101010101" pitchFamily="50" charset="-127"/>
+                <a:latin typeface="+mn-lt"/>
                 <a:ea typeface="굴림" panose="020B0600000101010101" pitchFamily="50" charset="-127"/>
+                <a:cs typeface="Segoe UI" panose="020B0502040204020203" pitchFamily="34" charset="0"/>
               </a:rPr>
               <a:t>여러 개발자들이 한 프로젝트에 동시에 참여할 수 있으며, 이슈 </a:t>
             </a:r>
@@ -5753,8 +5790,9 @@
                   <a:srgbClr val="374151"/>
                 </a:solidFill>
                 <a:effectLst/>
-                <a:latin typeface="굴림" panose="020B0600000101010101" pitchFamily="50" charset="-127"/>
+                <a:latin typeface="+mn-lt"/>
                 <a:ea typeface="굴림" panose="020B0600000101010101" pitchFamily="50" charset="-127"/>
+                <a:cs typeface="Segoe UI" panose="020B0502040204020203" pitchFamily="34" charset="0"/>
               </a:rPr>
               <a:t>트래킹</a:t>
             </a:r>
@@ -5767,8 +5805,9 @@
                   <a:srgbClr val="374151"/>
                 </a:solidFill>
                 <a:effectLst/>
-                <a:latin typeface="굴림" panose="020B0600000101010101" pitchFamily="50" charset="-127"/>
+                <a:latin typeface="+mn-lt"/>
                 <a:ea typeface="굴림" panose="020B0600000101010101" pitchFamily="50" charset="-127"/>
+                <a:cs typeface="Segoe UI" panose="020B0502040204020203" pitchFamily="34" charset="0"/>
               </a:rPr>
               <a:t>, 코드 리뷰, 협업 도구 등 다양한 기능을 제공합니다.</a:t>
             </a:r>
@@ -5798,8 +5837,9 @@
                 <a:srgbClr val="374151"/>
               </a:solidFill>
               <a:effectLst/>
-              <a:latin typeface="굴림" panose="020B0600000101010101" pitchFamily="50" charset="-127"/>
+              <a:latin typeface="+mn-lt"/>
               <a:ea typeface="굴림" panose="020B0600000101010101" pitchFamily="50" charset="-127"/>
+              <a:cs typeface="Segoe UI" panose="020B0502040204020203" pitchFamily="34" charset="0"/>
             </a:endParaRPr>
           </a:p>
           <a:p>
@@ -5808,8 +5848,9 @@
               <a:solidFill>
                 <a:srgbClr val="374151"/>
               </a:solidFill>
-              <a:latin typeface="굴림" panose="020B0600000101010101" pitchFamily="50" charset="-127"/>
+              <a:latin typeface="+mn-lt"/>
               <a:ea typeface="굴림" panose="020B0600000101010101" pitchFamily="50" charset="-127"/>
+              <a:cs typeface="Segoe UI" panose="020B0502040204020203" pitchFamily="34" charset="0"/>
             </a:endParaRPr>
           </a:p>
           <a:p>
@@ -5837,8 +5878,9 @@
                 <a:schemeClr val="tx1"/>
               </a:solidFill>
               <a:effectLst/>
-              <a:latin typeface="굴림" panose="020B0600000101010101" pitchFamily="50" charset="-127"/>
+              <a:latin typeface="+mn-lt"/>
               <a:ea typeface="굴림" panose="020B0600000101010101" pitchFamily="50" charset="-127"/>
+              <a:cs typeface="Segoe UI" panose="020B0502040204020203" pitchFamily="34" charset="0"/>
             </a:endParaRPr>
           </a:p>
         </p:txBody>
@@ -6343,7 +6385,7 @@
         </p:nvSpPr>
         <p:spPr bwMode="auto">
           <a:xfrm>
-            <a:off x="1237201" y="1320796"/>
+            <a:off x="1226801" y="1113796"/>
             <a:ext cx="6307119" cy="4832607"/>
           </a:xfrm>
           <a:prstGeom prst="rect">
@@ -7825,7 +7867,7 @@
         </p:nvGrpSpPr>
         <p:grpSpPr bwMode="blackWhite">
           <a:xfrm>
-            <a:off x="602323" y="4668330"/>
+            <a:off x="607379" y="4866256"/>
             <a:ext cx="558179" cy="409838"/>
             <a:chOff x="6953426" y="711274"/>
             <a:chExt cx="558179" cy="409838"/>
